--- a/presentations/20230130_firebird_microburst_durations.pptx
+++ b/presentations/20230130_firebird_microburst_durations.pptx
@@ -5,7 +5,7 @@
     <p:sldMasterId id="2147483648" r:id="rId1"/>
   </p:sldMasterIdLst>
   <p:notesMasterIdLst>
-    <p:notesMasterId r:id="rId11"/>
+    <p:notesMasterId r:id="rId13"/>
   </p:notesMasterIdLst>
   <p:sldIdLst>
     <p:sldId id="256" r:id="rId2"/>
@@ -13,10 +13,12 @@
     <p:sldId id="262" r:id="rId4"/>
     <p:sldId id="263" r:id="rId5"/>
     <p:sldId id="264" r:id="rId6"/>
-    <p:sldId id="257" r:id="rId7"/>
-    <p:sldId id="258" r:id="rId8"/>
-    <p:sldId id="260" r:id="rId9"/>
-    <p:sldId id="259" r:id="rId10"/>
+    <p:sldId id="265" r:id="rId7"/>
+    <p:sldId id="266" r:id="rId8"/>
+    <p:sldId id="257" r:id="rId9"/>
+    <p:sldId id="267" r:id="rId10"/>
+    <p:sldId id="268" r:id="rId11"/>
+    <p:sldId id="259" r:id="rId12"/>
   </p:sldIdLst>
   <p:sldSz cx="12192000" cy="6858000"/>
   <p:notesSz cx="6858000" cy="9144000"/>
@@ -3822,6 +3824,546 @@
 </p:sld>
 </file>
 
+<file path=ppt/slides/slide10.xml><?xml version="1.0" encoding="utf-8"?>
+<p:sld xmlns:a="http://schemas.openxmlformats.org/drawingml/2006/main" xmlns:r="http://schemas.openxmlformats.org/officeDocument/2006/relationships" xmlns:p="http://schemas.openxmlformats.org/presentationml/2006/main">
+  <p:cSld>
+    <p:spTree>
+      <p:nvGrpSpPr>
+        <p:cNvPr id="1" name=""/>
+        <p:cNvGrpSpPr/>
+        <p:nvPr/>
+      </p:nvGrpSpPr>
+      <p:grpSpPr>
+        <a:xfrm>
+          <a:off x="0" y="0"/>
+          <a:ext cx="0" cy="0"/>
+          <a:chOff x="0" y="0"/>
+          <a:chExt cx="0" cy="0"/>
+        </a:xfrm>
+      </p:grpSpPr>
+      <p:sp>
+        <p:nvSpPr>
+          <p:cNvPr id="2" name="Title 1">
+            <a:extLst>
+              <a:ext uri="{FF2B5EF4-FFF2-40B4-BE49-F238E27FC236}">
+                <a16:creationId xmlns:a16="http://schemas.microsoft.com/office/drawing/2014/main" id="{43E504AB-B8C8-2B7F-BCA0-D4E6D88EADB8}"/>
+              </a:ext>
+            </a:extLst>
+          </p:cNvPr>
+          <p:cNvSpPr>
+            <a:spLocks noGrp="1"/>
+          </p:cNvSpPr>
+          <p:nvPr>
+            <p:ph type="title"/>
+          </p:nvPr>
+        </p:nvSpPr>
+        <p:spPr/>
+        <p:txBody>
+          <a:bodyPr/>
+          <a:lstStyle/>
+          <a:p>
+            <a:r>
+              <a:rPr lang="en-US" dirty="0"/>
+              <a:t>Dispersion?</a:t>
+            </a:r>
+          </a:p>
+        </p:txBody>
+      </p:sp>
+      <p:pic>
+        <p:nvPicPr>
+          <p:cNvPr id="9" name="Content Placeholder 8">
+            <a:extLst>
+              <a:ext uri="{FF2B5EF4-FFF2-40B4-BE49-F238E27FC236}">
+                <a16:creationId xmlns:a16="http://schemas.microsoft.com/office/drawing/2014/main" id="{63C6DE8D-9747-1845-7130-3D2FCFBD7397}"/>
+              </a:ext>
+            </a:extLst>
+          </p:cNvPr>
+          <p:cNvPicPr>
+            <a:picLocks noGrp="1" noChangeAspect="1"/>
+          </p:cNvPicPr>
+          <p:nvPr>
+            <p:ph sz="half" idx="1"/>
+          </p:nvPr>
+        </p:nvPicPr>
+        <p:blipFill>
+          <a:blip r:embed="rId2">
+            <a:extLst>
+              <a:ext uri="{28A0092B-C50C-407E-A947-70E740481C1C}">
+                <a14:useLocalDpi xmlns:a14="http://schemas.microsoft.com/office/drawing/2010/main" val="0"/>
+              </a:ext>
+            </a:extLst>
+          </a:blip>
+          <a:srcRect/>
+          <a:stretch/>
+        </p:blipFill>
+        <p:spPr>
+          <a:xfrm>
+            <a:off x="1391055" y="1453862"/>
+            <a:ext cx="4075890" cy="5094864"/>
+          </a:xfrm>
+        </p:spPr>
+      </p:pic>
+      <p:sp>
+        <p:nvSpPr>
+          <p:cNvPr id="4" name="Date Placeholder 3">
+            <a:extLst>
+              <a:ext uri="{FF2B5EF4-FFF2-40B4-BE49-F238E27FC236}">
+                <a16:creationId xmlns:a16="http://schemas.microsoft.com/office/drawing/2014/main" id="{DFCAA49B-B086-E88F-CF92-A581491D7402}"/>
+              </a:ext>
+            </a:extLst>
+          </p:cNvPr>
+          <p:cNvSpPr>
+            <a:spLocks noGrp="1"/>
+          </p:cNvSpPr>
+          <p:nvPr>
+            <p:ph type="dt" sz="half" idx="10"/>
+          </p:nvPr>
+        </p:nvSpPr>
+        <p:spPr/>
+        <p:txBody>
+          <a:bodyPr/>
+          <a:lstStyle/>
+          <a:p>
+            <a:fld id="{A9AE0B51-B8FF-42DE-A3A4-DF64D042A72E}" type="datetime1">
+              <a:rPr lang="en-US" smtClean="0"/>
+              <a:t>1/30/2023</a:t>
+            </a:fld>
+            <a:endParaRPr lang="en-US"/>
+          </a:p>
+        </p:txBody>
+      </p:sp>
+      <p:sp>
+        <p:nvSpPr>
+          <p:cNvPr id="5" name="Slide Number Placeholder 4">
+            <a:extLst>
+              <a:ext uri="{FF2B5EF4-FFF2-40B4-BE49-F238E27FC236}">
+                <a16:creationId xmlns:a16="http://schemas.microsoft.com/office/drawing/2014/main" id="{9C49DA60-C7A7-3C94-E2D5-1A155CF5B9F6}"/>
+              </a:ext>
+            </a:extLst>
+          </p:cNvPr>
+          <p:cNvSpPr>
+            <a:spLocks noGrp="1"/>
+          </p:cNvSpPr>
+          <p:nvPr>
+            <p:ph type="sldNum" sz="quarter" idx="12"/>
+          </p:nvPr>
+        </p:nvSpPr>
+        <p:spPr/>
+        <p:txBody>
+          <a:bodyPr/>
+          <a:lstStyle/>
+          <a:p>
+            <a:fld id="{806C93F5-D892-47E2-990F-7040AF29FE32}" type="slidenum">
+              <a:rPr lang="en-US" smtClean="0"/>
+              <a:t>10</a:t>
+            </a:fld>
+            <a:endParaRPr lang="en-US"/>
+          </a:p>
+        </p:txBody>
+      </p:sp>
+      <p:pic>
+        <p:nvPicPr>
+          <p:cNvPr id="8" name="Content Placeholder 7" descr="Diagram&#10;&#10;Description automatically generated">
+            <a:extLst>
+              <a:ext uri="{FF2B5EF4-FFF2-40B4-BE49-F238E27FC236}">
+                <a16:creationId xmlns:a16="http://schemas.microsoft.com/office/drawing/2014/main" id="{48C9974C-CDB7-067D-F8D4-68579E660D47}"/>
+              </a:ext>
+            </a:extLst>
+          </p:cNvPr>
+          <p:cNvPicPr>
+            <a:picLocks noGrp="1" noChangeAspect="1"/>
+          </p:cNvPicPr>
+          <p:nvPr>
+            <p:ph sz="half" idx="2"/>
+          </p:nvPr>
+        </p:nvPicPr>
+        <p:blipFill>
+          <a:blip r:embed="rId3">
+            <a:extLst>
+              <a:ext uri="{28A0092B-C50C-407E-A947-70E740481C1C}">
+                <a14:useLocalDpi xmlns:a14="http://schemas.microsoft.com/office/drawing/2010/main" val="0"/>
+              </a:ext>
+            </a:extLst>
+          </a:blip>
+          <a:stretch>
+            <a:fillRect/>
+          </a:stretch>
+        </p:blipFill>
+        <p:spPr>
+          <a:xfrm>
+            <a:off x="6725055" y="1453862"/>
+            <a:ext cx="4075890" cy="5094864"/>
+          </a:xfrm>
+        </p:spPr>
+      </p:pic>
+      <p:sp>
+        <p:nvSpPr>
+          <p:cNvPr id="10" name="TextBox 9">
+            <a:extLst>
+              <a:ext uri="{FF2B5EF4-FFF2-40B4-BE49-F238E27FC236}">
+                <a16:creationId xmlns:a16="http://schemas.microsoft.com/office/drawing/2014/main" id="{978078CE-5587-5975-F8A7-838AA54A0CCD}"/>
+              </a:ext>
+            </a:extLst>
+          </p:cNvPr>
+          <p:cNvSpPr txBox="1"/>
+          <p:nvPr/>
+        </p:nvSpPr>
+        <p:spPr>
+          <a:xfrm>
+            <a:off x="4659549" y="712164"/>
+            <a:ext cx="2065506" cy="461665"/>
+          </a:xfrm>
+          <a:prstGeom prst="rect">
+            <a:avLst/>
+          </a:prstGeom>
+          <a:noFill/>
+        </p:spPr>
+        <p:txBody>
+          <a:bodyPr wrap="square" rtlCol="0">
+            <a:spAutoFit/>
+          </a:bodyPr>
+          <a:lstStyle/>
+          <a:p>
+            <a:r>
+              <a:rPr lang="en-US" sz="2400" dirty="0"/>
+              <a:t>Saturation?</a:t>
+            </a:r>
+          </a:p>
+        </p:txBody>
+      </p:sp>
+      <p:cxnSp>
+        <p:nvCxnSpPr>
+          <p:cNvPr id="13" name="Straight Arrow Connector 12">
+            <a:extLst>
+              <a:ext uri="{FF2B5EF4-FFF2-40B4-BE49-F238E27FC236}">
+                <a16:creationId xmlns:a16="http://schemas.microsoft.com/office/drawing/2014/main" id="{2AFDBF78-7547-6FC3-DE7E-C04B57003D87}"/>
+              </a:ext>
+            </a:extLst>
+          </p:cNvPr>
+          <p:cNvCxnSpPr/>
+          <p:nvPr/>
+        </p:nvCxnSpPr>
+        <p:spPr>
+          <a:xfrm flipH="1">
+            <a:off x="4017523" y="1186455"/>
+            <a:ext cx="1128409" cy="1167639"/>
+          </a:xfrm>
+          <a:prstGeom prst="straightConnector1">
+            <a:avLst/>
+          </a:prstGeom>
+          <a:ln w="76200">
+            <a:tailEnd type="triangle"/>
+          </a:ln>
+        </p:spPr>
+        <p:style>
+          <a:lnRef idx="1">
+            <a:schemeClr val="accent1"/>
+          </a:lnRef>
+          <a:fillRef idx="0">
+            <a:schemeClr val="accent1"/>
+          </a:fillRef>
+          <a:effectRef idx="0">
+            <a:schemeClr val="accent1"/>
+          </a:effectRef>
+          <a:fontRef idx="minor">
+            <a:schemeClr val="tx1"/>
+          </a:fontRef>
+        </p:style>
+      </p:cxnSp>
+      <p:sp>
+        <p:nvSpPr>
+          <p:cNvPr id="14" name="TextBox 13">
+            <a:extLst>
+              <a:ext uri="{FF2B5EF4-FFF2-40B4-BE49-F238E27FC236}">
+                <a16:creationId xmlns:a16="http://schemas.microsoft.com/office/drawing/2014/main" id="{D833C0F8-83D5-1D53-D6B6-AF30876CAF68}"/>
+              </a:ext>
+            </a:extLst>
+          </p:cNvPr>
+          <p:cNvSpPr txBox="1"/>
+          <p:nvPr/>
+        </p:nvSpPr>
+        <p:spPr>
+          <a:xfrm>
+            <a:off x="9114816" y="719065"/>
+            <a:ext cx="2527273" cy="461665"/>
+          </a:xfrm>
+          <a:prstGeom prst="rect">
+            <a:avLst/>
+          </a:prstGeom>
+          <a:noFill/>
+        </p:spPr>
+        <p:txBody>
+          <a:bodyPr wrap="square" rtlCol="0">
+            <a:spAutoFit/>
+          </a:bodyPr>
+          <a:lstStyle/>
+          <a:p>
+            <a:r>
+              <a:rPr lang="en-US" sz="2400" dirty="0"/>
+              <a:t>Regular dispersion</a:t>
+            </a:r>
+          </a:p>
+        </p:txBody>
+      </p:sp>
+      <p:cxnSp>
+        <p:nvCxnSpPr>
+          <p:cNvPr id="15" name="Straight Arrow Connector 14">
+            <a:extLst>
+              <a:ext uri="{FF2B5EF4-FFF2-40B4-BE49-F238E27FC236}">
+                <a16:creationId xmlns:a16="http://schemas.microsoft.com/office/drawing/2014/main" id="{42AE4148-2EB1-1C3D-4207-EE5319212CF4}"/>
+              </a:ext>
+            </a:extLst>
+          </p:cNvPr>
+          <p:cNvCxnSpPr>
+            <a:cxnSpLocks/>
+          </p:cNvCxnSpPr>
+          <p:nvPr/>
+        </p:nvCxnSpPr>
+        <p:spPr>
+          <a:xfrm flipH="1">
+            <a:off x="9114816" y="1320747"/>
+            <a:ext cx="689142" cy="802514"/>
+          </a:xfrm>
+          <a:prstGeom prst="straightConnector1">
+            <a:avLst/>
+          </a:prstGeom>
+          <a:ln w="76200">
+            <a:tailEnd type="triangle"/>
+          </a:ln>
+        </p:spPr>
+        <p:style>
+          <a:lnRef idx="1">
+            <a:schemeClr val="accent1"/>
+          </a:lnRef>
+          <a:fillRef idx="0">
+            <a:schemeClr val="accent1"/>
+          </a:fillRef>
+          <a:effectRef idx="0">
+            <a:schemeClr val="accent1"/>
+          </a:effectRef>
+          <a:fontRef idx="minor">
+            <a:schemeClr val="tx1"/>
+          </a:fontRef>
+        </p:style>
+      </p:cxnSp>
+    </p:spTree>
+    <p:extLst>
+      <p:ext uri="{BB962C8B-B14F-4D97-AF65-F5344CB8AC3E}">
+        <p14:creationId xmlns:p14="http://schemas.microsoft.com/office/powerpoint/2010/main" val="3119690796"/>
+      </p:ext>
+    </p:extLst>
+  </p:cSld>
+  <p:clrMapOvr>
+    <a:masterClrMapping/>
+  </p:clrMapOvr>
+</p:sld>
+</file>
+
+<file path=ppt/slides/slide11.xml><?xml version="1.0" encoding="utf-8"?>
+<p:sld xmlns:a="http://schemas.openxmlformats.org/drawingml/2006/main" xmlns:r="http://schemas.openxmlformats.org/officeDocument/2006/relationships" xmlns:p="http://schemas.openxmlformats.org/presentationml/2006/main">
+  <p:cSld>
+    <p:spTree>
+      <p:nvGrpSpPr>
+        <p:cNvPr id="1" name=""/>
+        <p:cNvGrpSpPr/>
+        <p:nvPr/>
+      </p:nvGrpSpPr>
+      <p:grpSpPr>
+        <a:xfrm>
+          <a:off x="0" y="0"/>
+          <a:ext cx="0" cy="0"/>
+          <a:chOff x="0" y="0"/>
+          <a:chExt cx="0" cy="0"/>
+        </a:xfrm>
+      </p:grpSpPr>
+      <p:sp>
+        <p:nvSpPr>
+          <p:cNvPr id="2" name="Title 1">
+            <a:extLst>
+              <a:ext uri="{FF2B5EF4-FFF2-40B4-BE49-F238E27FC236}">
+                <a16:creationId xmlns:a16="http://schemas.microsoft.com/office/drawing/2014/main" id="{4A50B4F5-C6C8-5D9E-DF28-218722F8E3F1}"/>
+              </a:ext>
+            </a:extLst>
+          </p:cNvPr>
+          <p:cNvSpPr>
+            <a:spLocks noGrp="1"/>
+          </p:cNvSpPr>
+          <p:nvPr>
+            <p:ph type="title"/>
+          </p:nvPr>
+        </p:nvSpPr>
+        <p:spPr/>
+        <p:txBody>
+          <a:bodyPr/>
+          <a:lstStyle/>
+          <a:p>
+            <a:r>
+              <a:rPr lang="en-US" dirty="0"/>
+              <a:t>Impressions &amp; Improvements</a:t>
+            </a:r>
+          </a:p>
+        </p:txBody>
+      </p:sp>
+      <p:sp>
+        <p:nvSpPr>
+          <p:cNvPr id="3" name="Content Placeholder 2">
+            <a:extLst>
+              <a:ext uri="{FF2B5EF4-FFF2-40B4-BE49-F238E27FC236}">
+                <a16:creationId xmlns:a16="http://schemas.microsoft.com/office/drawing/2014/main" id="{62C43083-E790-17CE-F497-035F51944162}"/>
+              </a:ext>
+            </a:extLst>
+          </p:cNvPr>
+          <p:cNvSpPr>
+            <a:spLocks noGrp="1"/>
+          </p:cNvSpPr>
+          <p:nvPr>
+            <p:ph idx="1"/>
+          </p:nvPr>
+        </p:nvSpPr>
+        <p:spPr/>
+        <p:txBody>
+          <a:bodyPr/>
+          <a:lstStyle/>
+          <a:p>
+            <a:r>
+              <a:rPr lang="en-US" dirty="0"/>
+              <a:t>Impressions</a:t>
+            </a:r>
+          </a:p>
+          <a:p>
+            <a:pPr lvl="1"/>
+            <a:r>
+              <a:rPr lang="en-US" dirty="0"/>
+              <a:t>The 200-500 keV durations look nice and surprisingly don’t change much in energy.</a:t>
+            </a:r>
+          </a:p>
+          <a:p>
+            <a:pPr lvl="1"/>
+            <a:r>
+              <a:rPr lang="en-US" dirty="0"/>
+              <a:t>The &gt; 1 MeV microburst durations should have been close to 100 </a:t>
+            </a:r>
+            <a:r>
+              <a:rPr lang="en-US" dirty="0" err="1"/>
+              <a:t>ms</a:t>
+            </a:r>
+            <a:r>
+              <a:rPr lang="en-US" dirty="0"/>
+              <a:t>, but the distribution looks wrong</a:t>
+            </a:r>
+          </a:p>
+          <a:p>
+            <a:r>
+              <a:rPr lang="en-US" dirty="0"/>
+              <a:t>Improvements</a:t>
+            </a:r>
+          </a:p>
+          <a:p>
+            <a:pPr lvl="1"/>
+            <a:r>
+              <a:rPr lang="en-US" dirty="0"/>
+              <a:t>Use my “number of 0’s” based saturation filter to remove bad events.</a:t>
+            </a:r>
+          </a:p>
+          <a:p>
+            <a:pPr lvl="1"/>
+            <a:r>
+              <a:rPr lang="en-US" dirty="0"/>
+              <a:t>Closely inspect the fits</a:t>
+            </a:r>
+          </a:p>
+          <a:p>
+            <a:pPr lvl="1"/>
+            <a:r>
+              <a:rPr lang="en-US" dirty="0"/>
+              <a:t>Try out different fit initial guesses such as initial </a:t>
+            </a:r>
+            <a:r>
+              <a:rPr lang="en-US" dirty="0" err="1"/>
+              <a:t>fwhm</a:t>
+            </a:r>
+            <a:endParaRPr lang="en-US" dirty="0"/>
+          </a:p>
+          <a:p>
+            <a:pPr lvl="1"/>
+            <a:r>
+              <a:rPr lang="en-US" dirty="0"/>
+              <a:t>Maybe could try this using the BARREL data?</a:t>
+            </a:r>
+          </a:p>
+        </p:txBody>
+      </p:sp>
+      <p:sp>
+        <p:nvSpPr>
+          <p:cNvPr id="4" name="Date Placeholder 3">
+            <a:extLst>
+              <a:ext uri="{FF2B5EF4-FFF2-40B4-BE49-F238E27FC236}">
+                <a16:creationId xmlns:a16="http://schemas.microsoft.com/office/drawing/2014/main" id="{3C41F324-C46E-A573-9F8F-52235659C096}"/>
+              </a:ext>
+            </a:extLst>
+          </p:cNvPr>
+          <p:cNvSpPr>
+            <a:spLocks noGrp="1"/>
+          </p:cNvSpPr>
+          <p:nvPr>
+            <p:ph type="dt" sz="half" idx="10"/>
+          </p:nvPr>
+        </p:nvSpPr>
+        <p:spPr/>
+        <p:txBody>
+          <a:bodyPr/>
+          <a:lstStyle/>
+          <a:p>
+            <a:fld id="{A9AE0B51-B8FF-42DE-A3A4-DF64D042A72E}" type="datetime1">
+              <a:rPr lang="en-US" smtClean="0"/>
+              <a:t>1/30/2023</a:t>
+            </a:fld>
+            <a:endParaRPr lang="en-US"/>
+          </a:p>
+        </p:txBody>
+      </p:sp>
+      <p:sp>
+        <p:nvSpPr>
+          <p:cNvPr id="5" name="Slide Number Placeholder 4">
+            <a:extLst>
+              <a:ext uri="{FF2B5EF4-FFF2-40B4-BE49-F238E27FC236}">
+                <a16:creationId xmlns:a16="http://schemas.microsoft.com/office/drawing/2014/main" id="{6F6B275A-D158-90A9-7766-1EA823B89C0B}"/>
+              </a:ext>
+            </a:extLst>
+          </p:cNvPr>
+          <p:cNvSpPr>
+            <a:spLocks noGrp="1"/>
+          </p:cNvSpPr>
+          <p:nvPr>
+            <p:ph type="sldNum" sz="quarter" idx="12"/>
+          </p:nvPr>
+        </p:nvSpPr>
+        <p:spPr/>
+        <p:txBody>
+          <a:bodyPr/>
+          <a:lstStyle/>
+          <a:p>
+            <a:fld id="{806C93F5-D892-47E2-990F-7040AF29FE32}" type="slidenum">
+              <a:rPr lang="en-US" smtClean="0"/>
+              <a:t>11</a:t>
+            </a:fld>
+            <a:endParaRPr lang="en-US"/>
+          </a:p>
+        </p:txBody>
+      </p:sp>
+    </p:spTree>
+    <p:extLst>
+      <p:ext uri="{BB962C8B-B14F-4D97-AF65-F5344CB8AC3E}">
+        <p14:creationId xmlns:p14="http://schemas.microsoft.com/office/powerpoint/2010/main" val="1626119085"/>
+      </p:ext>
+    </p:extLst>
+  </p:cSld>
+  <p:clrMapOvr>
+    <a:masterClrMapping/>
+  </p:clrMapOvr>
+</p:sld>
+</file>
+
 <file path=ppt/slides/slide2.xml><?xml version="1.0" encoding="utf-8"?>
 <p:sld xmlns:a="http://schemas.openxmlformats.org/drawingml/2006/main" xmlns:r="http://schemas.openxmlformats.org/officeDocument/2006/relationships" xmlns:p="http://schemas.openxmlformats.org/presentationml/2006/main">
   <p:cSld>
@@ -3862,7 +4404,17 @@
           <a:p>
             <a:r>
               <a:rPr lang="en-US" dirty="0"/>
-              <a:t>Background: a follow-on study from the Shumko et al., (2021) SAMPEX study</a:t>
+              <a:t>Background: a follow-on study from the </a:t>
+            </a:r>
+            <a:r>
+              <a:rPr lang="en-US" dirty="0">
+                <a:hlinkClick r:id="rId2"/>
+              </a:rPr>
+              <a:t>Shumko et al., (2021) </a:t>
+            </a:r>
+            <a:r>
+              <a:rPr lang="en-US" dirty="0"/>
+              <a:t>SAMPEX study</a:t>
             </a:r>
           </a:p>
         </p:txBody>
@@ -3884,7 +4436,7 @@
           </p:nvPr>
         </p:nvPicPr>
         <p:blipFill rotWithShape="1">
-          <a:blip r:embed="rId2">
+          <a:blip r:embed="rId3">
             <a:extLst>
               <a:ext uri="{28A0092B-C50C-407E-A947-70E740481C1C}">
                 <a14:useLocalDpi xmlns:a14="http://schemas.microsoft.com/office/drawing/2010/main" val="0"/>
@@ -4015,7 +4567,7 @@
           <p:nvPr/>
         </p:nvPicPr>
         <p:blipFill rotWithShape="1">
-          <a:blip r:embed="rId3">
+          <a:blip r:embed="rId4">
             <a:extLst>
               <a:ext uri="{28A0092B-C50C-407E-A947-70E740481C1C}">
                 <a14:useLocalDpi xmlns:a14="http://schemas.microsoft.com/office/drawing/2010/main" val="0"/>
@@ -4287,7 +4839,17 @@
           <a:p>
             <a:r>
               <a:rPr lang="en-US" dirty="0"/>
-              <a:t>Background: a follow-on study from the Shumko et al., (2021) SAMPEX study</a:t>
+              <a:t>Background: a follow-on study from the </a:t>
+            </a:r>
+            <a:r>
+              <a:rPr lang="en-US" dirty="0">
+                <a:hlinkClick r:id="rId2"/>
+              </a:rPr>
+              <a:t>Shumko et al., (2021) </a:t>
+            </a:r>
+            <a:r>
+              <a:rPr lang="en-US" dirty="0"/>
+              <a:t>SAMPEX study</a:t>
             </a:r>
           </a:p>
         </p:txBody>
@@ -4325,8 +4887,14 @@
           </a:p>
           <a:p>
             <a:r>
+              <a:rPr lang="en-US" dirty="0">
+                <a:hlinkClick r:id="rId3"/>
+              </a:rPr>
+              <a:t>Chen et al., (2020) </a:t>
+            </a:r>
+            <a:r>
               <a:rPr lang="en-US" dirty="0"/>
-              <a:t>Chen et al., (2020) shows that the duration of the increased microburst flux has an energy dependence.</a:t>
+              <a:t>shows that the duration of the increased microburst flux has an energy dependence.</a:t>
             </a:r>
           </a:p>
         </p:txBody>
@@ -4406,7 +4974,7 @@
           </p:nvPr>
         </p:nvPicPr>
         <p:blipFill>
-          <a:blip r:embed="rId2">
+          <a:blip r:embed="rId4">
             <a:extLst>
               <a:ext uri="{28A0092B-C50C-407E-A947-70E740481C1C}">
                 <a14:useLocalDpi xmlns:a14="http://schemas.microsoft.com/office/drawing/2010/main" val="0"/>
@@ -4660,6 +5228,223 @@
           <a:chExt cx="0" cy="0"/>
         </a:xfrm>
       </p:grpSpPr>
+      <p:sp>
+        <p:nvSpPr>
+          <p:cNvPr id="2" name="Title 1">
+            <a:extLst>
+              <a:ext uri="{FF2B5EF4-FFF2-40B4-BE49-F238E27FC236}">
+                <a16:creationId xmlns:a16="http://schemas.microsoft.com/office/drawing/2014/main" id="{28F612DC-781A-A4AE-7CCF-4ED068B53853}"/>
+              </a:ext>
+            </a:extLst>
+          </p:cNvPr>
+          <p:cNvSpPr>
+            <a:spLocks noGrp="1"/>
+          </p:cNvSpPr>
+          <p:nvPr>
+            <p:ph type="title"/>
+          </p:nvPr>
+        </p:nvSpPr>
+        <p:spPr/>
+        <p:txBody>
+          <a:bodyPr/>
+          <a:lstStyle/>
+          <a:p>
+            <a:r>
+              <a:rPr lang="en-US" dirty="0"/>
+              <a:t>Fitting microbursts</a:t>
+            </a:r>
+          </a:p>
+        </p:txBody>
+      </p:sp>
+      <p:sp>
+        <p:nvSpPr>
+          <p:cNvPr id="7" name="Content Placeholder 6">
+            <a:extLst>
+              <a:ext uri="{FF2B5EF4-FFF2-40B4-BE49-F238E27FC236}">
+                <a16:creationId xmlns:a16="http://schemas.microsoft.com/office/drawing/2014/main" id="{5FF877F2-D2BF-3F32-4E9A-459353980A72}"/>
+              </a:ext>
+            </a:extLst>
+          </p:cNvPr>
+          <p:cNvSpPr>
+            <a:spLocks noGrp="1"/>
+          </p:cNvSpPr>
+          <p:nvPr>
+            <p:ph idx="1"/>
+          </p:nvPr>
+        </p:nvSpPr>
+        <p:spPr>
+          <a:xfrm>
+            <a:off x="384976" y="1479150"/>
+            <a:ext cx="10515600" cy="4351338"/>
+          </a:xfrm>
+        </p:spPr>
+        <p:txBody>
+          <a:bodyPr>
+            <a:normAutofit fontScale="77500" lnSpcReduction="20000"/>
+          </a:bodyPr>
+          <a:lstStyle/>
+          <a:p>
+            <a:r>
+              <a:rPr lang="en-US" dirty="0"/>
+              <a:t>Use only microbursts taken at a &lt; 50 </a:t>
+            </a:r>
+            <a:r>
+              <a:rPr lang="en-US" dirty="0" err="1"/>
+              <a:t>ms</a:t>
+            </a:r>
+            <a:r>
+              <a:rPr lang="en-US" dirty="0"/>
+              <a:t> cadence</a:t>
+            </a:r>
+          </a:p>
+          <a:p>
+            <a:pPr lvl="1"/>
+            <a:r>
+              <a:rPr lang="en-US" dirty="0"/>
+              <a:t>Including 18.75 &amp; 12.50 </a:t>
+            </a:r>
+            <a:r>
+              <a:rPr lang="en-US" dirty="0" err="1"/>
+              <a:t>ms</a:t>
+            </a:r>
+            <a:r>
+              <a:rPr lang="en-US" dirty="0"/>
+              <a:t> cadence</a:t>
+            </a:r>
+          </a:p>
+          <a:p>
+            <a:pPr lvl="1"/>
+            <a:r>
+              <a:rPr lang="en-US" dirty="0"/>
+              <a:t>Refer to </a:t>
+            </a:r>
+            <a:r>
+              <a:rPr lang="en-US" dirty="0">
+                <a:hlinkClick r:id="rId2"/>
+              </a:rPr>
+              <a:t>Johnson et al., (2020)</a:t>
+            </a:r>
+            <a:r>
+              <a:rPr lang="en-US" dirty="0"/>
+              <a:t> for cadence and campaign details (table 4)</a:t>
+            </a:r>
+          </a:p>
+          <a:p>
+            <a:r>
+              <a:rPr lang="en-US" dirty="0"/>
+              <a:t>Identified via the burst parameter with &gt; 10 threshold</a:t>
+            </a:r>
+          </a:p>
+          <a:p>
+            <a:r>
+              <a:rPr lang="en-US" dirty="0"/>
+              <a:t>Resulting 1710 microbursts were fit with a Gaussian + linear trend</a:t>
+            </a:r>
+          </a:p>
+          <a:p>
+            <a:endParaRPr lang="en-US" i="1" dirty="0"/>
+          </a:p>
+          <a:p>
+            <a:endParaRPr lang="en-US" dirty="0"/>
+          </a:p>
+          <a:p>
+            <a:r>
+              <a:rPr lang="en-US" dirty="0"/>
+              <a:t>Duration quantified by FWHM of the Gaussian</a:t>
+            </a:r>
+          </a:p>
+          <a:p>
+            <a:r>
+              <a:rPr lang="en-US" dirty="0"/>
+              <a:t>Version 0 of the fit parameters:</a:t>
+            </a:r>
+          </a:p>
+          <a:p>
+            <a:pPr lvl="1"/>
+            <a:r>
+              <a:rPr lang="en-US" dirty="0"/>
+              <a:t>Fit 0.3-seconds of data</a:t>
+            </a:r>
+          </a:p>
+          <a:p>
+            <a:pPr lvl="1"/>
+            <a:r>
+              <a:rPr lang="en-US" dirty="0"/>
+              <a:t>Initial FWHM guess = 0.1-seconds</a:t>
+            </a:r>
+          </a:p>
+          <a:p>
+            <a:r>
+              <a:rPr lang="en-US" dirty="0"/>
+              <a:t>Goodness of fit quantified by the R^2 and adjusted R^2 metrics. </a:t>
+            </a:r>
+          </a:p>
+          <a:p>
+            <a:r>
+              <a:rPr lang="en-US" dirty="0"/>
+              <a:t>650 microbursts with max(r^2) &gt; 0.9 across the 6 energy channels.</a:t>
+            </a:r>
+          </a:p>
+        </p:txBody>
+      </p:sp>
+      <p:sp>
+        <p:nvSpPr>
+          <p:cNvPr id="5" name="Date Placeholder 4">
+            <a:extLst>
+              <a:ext uri="{FF2B5EF4-FFF2-40B4-BE49-F238E27FC236}">
+                <a16:creationId xmlns:a16="http://schemas.microsoft.com/office/drawing/2014/main" id="{0A100D66-882B-058E-5C4D-69BB4CC3A8B1}"/>
+              </a:ext>
+            </a:extLst>
+          </p:cNvPr>
+          <p:cNvSpPr>
+            <a:spLocks noGrp="1"/>
+          </p:cNvSpPr>
+          <p:nvPr>
+            <p:ph type="dt" sz="half" idx="10"/>
+          </p:nvPr>
+        </p:nvSpPr>
+        <p:spPr/>
+        <p:txBody>
+          <a:bodyPr/>
+          <a:lstStyle/>
+          <a:p>
+            <a:fld id="{232BBD42-AF4D-40D9-B762-3A65569D7EBC}" type="datetime1">
+              <a:rPr lang="en-US" smtClean="0"/>
+              <a:t>1/30/2023</a:t>
+            </a:fld>
+            <a:endParaRPr lang="en-US"/>
+          </a:p>
+        </p:txBody>
+      </p:sp>
+      <p:sp>
+        <p:nvSpPr>
+          <p:cNvPr id="6" name="Slide Number Placeholder 5">
+            <a:extLst>
+              <a:ext uri="{FF2B5EF4-FFF2-40B4-BE49-F238E27FC236}">
+                <a16:creationId xmlns:a16="http://schemas.microsoft.com/office/drawing/2014/main" id="{D4F09A89-C1B6-0871-34BD-DFC0125FAA06}"/>
+              </a:ext>
+            </a:extLst>
+          </p:cNvPr>
+          <p:cNvSpPr>
+            <a:spLocks noGrp="1"/>
+          </p:cNvSpPr>
+          <p:nvPr>
+            <p:ph type="sldNum" sz="quarter" idx="12"/>
+          </p:nvPr>
+        </p:nvSpPr>
+        <p:spPr/>
+        <p:txBody>
+          <a:bodyPr/>
+          <a:lstStyle/>
+          <a:p>
+            <a:fld id="{806C93F5-D892-47E2-990F-7040AF29FE32}" type="slidenum">
+              <a:rPr lang="en-US" smtClean="0"/>
+              <a:t>5</a:t>
+            </a:fld>
+            <a:endParaRPr lang="en-US"/>
+          </a:p>
+        </p:txBody>
+      </p:sp>
       <p:pic>
         <p:nvPicPr>
           <p:cNvPr id="9" name="Picture 8" descr="Text&#10;&#10;Description automatically generated with medium confidence">
@@ -4675,7 +5460,7 @@
           <p:nvPr/>
         </p:nvPicPr>
         <p:blipFill rotWithShape="1">
-          <a:blip r:embed="rId2">
+          <a:blip r:embed="rId3">
             <a:extLst>
               <a:ext uri="{28A0092B-C50C-407E-A947-70E740481C1C}">
                 <a14:useLocalDpi xmlns:a14="http://schemas.microsoft.com/office/drawing/2010/main" val="0"/>
@@ -4687,7 +5472,7 @@
         </p:blipFill>
         <p:spPr>
           <a:xfrm>
-            <a:off x="1113183" y="3054438"/>
+            <a:off x="978011" y="3054438"/>
             <a:ext cx="4258891" cy="749124"/>
           </a:xfrm>
           <a:prstGeom prst="rect">
@@ -4695,199 +5480,6 @@
           </a:prstGeom>
         </p:spPr>
       </p:pic>
-      <p:sp>
-        <p:nvSpPr>
-          <p:cNvPr id="2" name="Title 1">
-            <a:extLst>
-              <a:ext uri="{FF2B5EF4-FFF2-40B4-BE49-F238E27FC236}">
-                <a16:creationId xmlns:a16="http://schemas.microsoft.com/office/drawing/2014/main" id="{28F612DC-781A-A4AE-7CCF-4ED068B53853}"/>
-              </a:ext>
-            </a:extLst>
-          </p:cNvPr>
-          <p:cNvSpPr>
-            <a:spLocks noGrp="1"/>
-          </p:cNvSpPr>
-          <p:nvPr>
-            <p:ph type="title"/>
-          </p:nvPr>
-        </p:nvSpPr>
-        <p:spPr/>
-        <p:txBody>
-          <a:bodyPr/>
-          <a:lstStyle/>
-          <a:p>
-            <a:r>
-              <a:rPr lang="en-US" dirty="0"/>
-              <a:t>Fitting microbursts</a:t>
-            </a:r>
-          </a:p>
-        </p:txBody>
-      </p:sp>
-      <p:sp>
-        <p:nvSpPr>
-          <p:cNvPr id="7" name="Content Placeholder 6">
-            <a:extLst>
-              <a:ext uri="{FF2B5EF4-FFF2-40B4-BE49-F238E27FC236}">
-                <a16:creationId xmlns:a16="http://schemas.microsoft.com/office/drawing/2014/main" id="{5FF877F2-D2BF-3F32-4E9A-459353980A72}"/>
-              </a:ext>
-            </a:extLst>
-          </p:cNvPr>
-          <p:cNvSpPr>
-            <a:spLocks noGrp="1"/>
-          </p:cNvSpPr>
-          <p:nvPr>
-            <p:ph idx="1"/>
-          </p:nvPr>
-        </p:nvSpPr>
-        <p:spPr>
-          <a:xfrm>
-            <a:off x="631466" y="1725641"/>
-            <a:ext cx="10515600" cy="4351338"/>
-          </a:xfrm>
-        </p:spPr>
-        <p:txBody>
-          <a:bodyPr>
-            <a:normAutofit lnSpcReduction="10000"/>
-          </a:bodyPr>
-          <a:lstStyle/>
-          <a:p>
-            <a:r>
-              <a:rPr lang="en-US" dirty="0"/>
-              <a:t>Only microbursts taken with a &lt; 50 </a:t>
-            </a:r>
-            <a:r>
-              <a:rPr lang="en-US" dirty="0" err="1"/>
-              <a:t>ms</a:t>
-            </a:r>
-            <a:r>
-              <a:rPr lang="en-US" dirty="0"/>
-              <a:t> cadence</a:t>
-            </a:r>
-          </a:p>
-          <a:p>
-            <a:pPr lvl="1"/>
-            <a:r>
-              <a:rPr lang="en-US" dirty="0"/>
-              <a:t>18.75 &amp; 12.50 </a:t>
-            </a:r>
-            <a:r>
-              <a:rPr lang="en-US" dirty="0" err="1"/>
-              <a:t>ms</a:t>
-            </a:r>
-            <a:r>
-              <a:rPr lang="en-US" dirty="0"/>
-              <a:t> cadence</a:t>
-            </a:r>
-          </a:p>
-          <a:p>
-            <a:r>
-              <a:rPr lang="en-US" dirty="0"/>
-              <a:t>Resulting microbursts fit with a Gaussian + linear trend</a:t>
-            </a:r>
-          </a:p>
-          <a:p>
-            <a:endParaRPr lang="en-US" i="1" dirty="0"/>
-          </a:p>
-          <a:p>
-            <a:endParaRPr lang="en-US" dirty="0"/>
-          </a:p>
-          <a:p>
-            <a:r>
-              <a:rPr lang="en-US" dirty="0"/>
-              <a:t>Duration quantified by FWHM of the Gaussian</a:t>
-            </a:r>
-          </a:p>
-          <a:p>
-            <a:r>
-              <a:rPr lang="en-US" dirty="0"/>
-              <a:t>Version 0 of the fit parameters:</a:t>
-            </a:r>
-          </a:p>
-          <a:p>
-            <a:pPr lvl="1"/>
-            <a:r>
-              <a:rPr lang="en-US" dirty="0"/>
-              <a:t>Fit 0.3-seconds of data</a:t>
-            </a:r>
-          </a:p>
-          <a:p>
-            <a:pPr lvl="1"/>
-            <a:r>
-              <a:rPr lang="en-US" dirty="0"/>
-              <a:t>Initial FWHM guess = 0.1-seconds</a:t>
-            </a:r>
-          </a:p>
-          <a:p>
-            <a:r>
-              <a:rPr lang="en-US" dirty="0"/>
-              <a:t>Goodness of fit quantified by the R^2 and adjusted R^</a:t>
-            </a:r>
-            <a:r>
-              <a:rPr lang="en-US"/>
-              <a:t>2 metrics.</a:t>
-            </a:r>
-            <a:endParaRPr lang="en-US" dirty="0"/>
-          </a:p>
-        </p:txBody>
-      </p:sp>
-      <p:sp>
-        <p:nvSpPr>
-          <p:cNvPr id="5" name="Date Placeholder 4">
-            <a:extLst>
-              <a:ext uri="{FF2B5EF4-FFF2-40B4-BE49-F238E27FC236}">
-                <a16:creationId xmlns:a16="http://schemas.microsoft.com/office/drawing/2014/main" id="{0A100D66-882B-058E-5C4D-69BB4CC3A8B1}"/>
-              </a:ext>
-            </a:extLst>
-          </p:cNvPr>
-          <p:cNvSpPr>
-            <a:spLocks noGrp="1"/>
-          </p:cNvSpPr>
-          <p:nvPr>
-            <p:ph type="dt" sz="half" idx="10"/>
-          </p:nvPr>
-        </p:nvSpPr>
-        <p:spPr/>
-        <p:txBody>
-          <a:bodyPr/>
-          <a:lstStyle/>
-          <a:p>
-            <a:fld id="{232BBD42-AF4D-40D9-B762-3A65569D7EBC}" type="datetime1">
-              <a:rPr lang="en-US" smtClean="0"/>
-              <a:t>1/30/2023</a:t>
-            </a:fld>
-            <a:endParaRPr lang="en-US"/>
-          </a:p>
-        </p:txBody>
-      </p:sp>
-      <p:sp>
-        <p:nvSpPr>
-          <p:cNvPr id="6" name="Slide Number Placeholder 5">
-            <a:extLst>
-              <a:ext uri="{FF2B5EF4-FFF2-40B4-BE49-F238E27FC236}">
-                <a16:creationId xmlns:a16="http://schemas.microsoft.com/office/drawing/2014/main" id="{D4F09A89-C1B6-0871-34BD-DFC0125FAA06}"/>
-              </a:ext>
-            </a:extLst>
-          </p:cNvPr>
-          <p:cNvSpPr>
-            <a:spLocks noGrp="1"/>
-          </p:cNvSpPr>
-          <p:nvPr>
-            <p:ph type="sldNum" sz="quarter" idx="12"/>
-          </p:nvPr>
-        </p:nvSpPr>
-        <p:spPr/>
-        <p:txBody>
-          <a:bodyPr/>
-          <a:lstStyle/>
-          <a:p>
-            <a:fld id="{806C93F5-D892-47E2-990F-7040AF29FE32}" type="slidenum">
-              <a:rPr lang="en-US" smtClean="0"/>
-              <a:t>5</a:t>
-            </a:fld>
-            <a:endParaRPr lang="en-US"/>
-          </a:p>
-        </p:txBody>
-      </p:sp>
     </p:spTree>
     <p:extLst>
       <p:ext uri="{BB962C8B-B14F-4D97-AF65-F5344CB8AC3E}">
@@ -4923,7 +5515,7 @@
           <p:cNvPr id="2" name="Title 1">
             <a:extLst>
               <a:ext uri="{FF2B5EF4-FFF2-40B4-BE49-F238E27FC236}">
-                <a16:creationId xmlns:a16="http://schemas.microsoft.com/office/drawing/2014/main" id="{9FF354BE-2238-39F8-805E-C3A974043629}"/>
+                <a16:creationId xmlns:a16="http://schemas.microsoft.com/office/drawing/2014/main" id="{7E90A5F9-5EDC-37A4-5191-9C92867C2B08}"/>
               </a:ext>
             </a:extLst>
           </p:cNvPr>
@@ -4934,19 +5526,114 @@
             <p:ph type="title"/>
           </p:nvPr>
         </p:nvSpPr>
+        <p:spPr/>
+        <p:txBody>
+          <a:bodyPr/>
+          <a:lstStyle/>
+          <a:p>
+            <a:r>
+              <a:rPr lang="en-US" dirty="0"/>
+              <a:t>Good Examples</a:t>
+            </a:r>
+          </a:p>
+        </p:txBody>
+      </p:sp>
+      <p:pic>
+        <p:nvPicPr>
+          <p:cNvPr id="7" name="Content Placeholder 6" descr="Chart, diagram&#10;&#10;Description automatically generated">
+            <a:extLst>
+              <a:ext uri="{FF2B5EF4-FFF2-40B4-BE49-F238E27FC236}">
+                <a16:creationId xmlns:a16="http://schemas.microsoft.com/office/drawing/2014/main" id="{B7815576-F4EB-7775-96F1-CFFB6DC842CD}"/>
+              </a:ext>
+            </a:extLst>
+          </p:cNvPr>
+          <p:cNvPicPr>
+            <a:picLocks noGrp="1" noChangeAspect="1"/>
+          </p:cNvPicPr>
+          <p:nvPr>
+            <p:ph sz="half" idx="1"/>
+          </p:nvPr>
+        </p:nvPicPr>
+        <p:blipFill>
+          <a:blip r:embed="rId2">
+            <a:extLst>
+              <a:ext uri="{28A0092B-C50C-407E-A947-70E740481C1C}">
+                <a14:useLocalDpi xmlns:a14="http://schemas.microsoft.com/office/drawing/2010/main" val="0"/>
+              </a:ext>
+            </a:extLst>
+          </a:blip>
+          <a:stretch>
+            <a:fillRect/>
+          </a:stretch>
+        </p:blipFill>
         <p:spPr>
           <a:xfrm>
-            <a:off x="505838" y="365125"/>
-            <a:ext cx="5590162" cy="2125156"/>
+            <a:off x="5958316" y="285008"/>
+            <a:ext cx="5030387" cy="6287984"/>
           </a:xfrm>
         </p:spPr>
-        <p:txBody>
-          <a:bodyPr/>
+      </p:pic>
+      <p:sp>
+        <p:nvSpPr>
+          <p:cNvPr id="8" name="Content Placeholder 7">
+            <a:extLst>
+              <a:ext uri="{FF2B5EF4-FFF2-40B4-BE49-F238E27FC236}">
+                <a16:creationId xmlns:a16="http://schemas.microsoft.com/office/drawing/2014/main" id="{08A52BC1-F386-65D4-A296-4500E9CB5E7D}"/>
+              </a:ext>
+            </a:extLst>
+          </p:cNvPr>
+          <p:cNvSpPr>
+            <a:spLocks noGrp="1"/>
+          </p:cNvSpPr>
+          <p:nvPr>
+            <p:ph sz="half" idx="2"/>
+          </p:nvPr>
+        </p:nvSpPr>
+        <p:spPr>
+          <a:xfrm>
+            <a:off x="574481" y="1703416"/>
+            <a:ext cx="5181600" cy="4351338"/>
+          </a:xfrm>
+        </p:spPr>
+        <p:txBody>
+          <a:bodyPr>
+            <a:normAutofit fontScale="92500" lnSpcReduction="10000"/>
+          </a:bodyPr>
           <a:lstStyle/>
           <a:p>
             <a:r>
               <a:rPr lang="en-US" dirty="0"/>
-              <a:t>Microburst Durations v0</a:t>
+              <a:t>Collimated counts vs time for all energy channels</a:t>
+            </a:r>
+          </a:p>
+          <a:p>
+            <a:r>
+              <a:rPr lang="en-US" dirty="0"/>
+              <a:t>Solid lines show the data, dashed lines show the fit</a:t>
+            </a:r>
+          </a:p>
+          <a:p>
+            <a:r>
+              <a:rPr lang="en-US" dirty="0"/>
+              <a:t>Fit duration shown by the grey bar</a:t>
+            </a:r>
+          </a:p>
+          <a:p>
+            <a:r>
+              <a:rPr lang="en-US" dirty="0"/>
+              <a:t>Peak time in the 200 keV channel show by the dotted black line</a:t>
+            </a:r>
+          </a:p>
+          <a:p>
+            <a:r>
+              <a:rPr lang="en-US" dirty="0"/>
+              <a:t>Fit parameters for each channel shown on the left of each panel</a:t>
+            </a:r>
+          </a:p>
+          <a:p>
+            <a:r>
+              <a:rPr lang="en-US" dirty="0"/>
+              <a:t>FIREBIRD location shown in the upper-right corner</a:t>
             </a:r>
           </a:p>
         </p:txBody>
@@ -4956,7 +5643,7 @@
           <p:cNvPr id="4" name="Date Placeholder 3">
             <a:extLst>
               <a:ext uri="{FF2B5EF4-FFF2-40B4-BE49-F238E27FC236}">
-                <a16:creationId xmlns:a16="http://schemas.microsoft.com/office/drawing/2014/main" id="{90302BC9-54FA-E889-D491-38AA529EDE96}"/>
+                <a16:creationId xmlns:a16="http://schemas.microsoft.com/office/drawing/2014/main" id="{A76D1118-557F-62D4-0E6A-45EABB6A2096}"/>
               </a:ext>
             </a:extLst>
           </p:cNvPr>
@@ -4985,7 +5672,7 @@
           <p:cNvPr id="5" name="Slide Number Placeholder 4">
             <a:extLst>
               <a:ext uri="{FF2B5EF4-FFF2-40B4-BE49-F238E27FC236}">
-                <a16:creationId xmlns:a16="http://schemas.microsoft.com/office/drawing/2014/main" id="{3A0C4010-33C8-6492-6CF0-014BC4C3806F}"/>
+                <a16:creationId xmlns:a16="http://schemas.microsoft.com/office/drawing/2014/main" id="{E6E28E46-5FE8-8F3B-1561-CF4742093D19}"/>
               </a:ext>
             </a:extLst>
           </p:cNvPr>
@@ -5009,201 +5696,10 @@
           </a:p>
         </p:txBody>
       </p:sp>
-      <p:pic>
-        <p:nvPicPr>
-          <p:cNvPr id="11" name="Content Placeholder 10">
-            <a:extLst>
-              <a:ext uri="{FF2B5EF4-FFF2-40B4-BE49-F238E27FC236}">
-                <a16:creationId xmlns:a16="http://schemas.microsoft.com/office/drawing/2014/main" id="{2E8A1B65-4A77-DD84-5668-E9AA4171DB77}"/>
-              </a:ext>
-            </a:extLst>
-          </p:cNvPr>
-          <p:cNvPicPr>
-            <a:picLocks noGrp="1" noChangeAspect="1"/>
-          </p:cNvPicPr>
-          <p:nvPr>
-            <p:ph idx="1"/>
-          </p:nvPr>
-        </p:nvPicPr>
-        <p:blipFill>
-          <a:blip r:embed="rId2">
-            <a:extLst>
-              <a:ext uri="{28A0092B-C50C-407E-A947-70E740481C1C}">
-                <a14:useLocalDpi xmlns:a14="http://schemas.microsoft.com/office/drawing/2010/main" val="0"/>
-              </a:ext>
-            </a:extLst>
-          </a:blip>
-          <a:srcRect/>
-          <a:stretch/>
-        </p:blipFill>
-        <p:spPr>
-          <a:xfrm>
-            <a:off x="6558119" y="126323"/>
-            <a:ext cx="4442481" cy="6515640"/>
-          </a:xfrm>
-        </p:spPr>
-      </p:pic>
-      <p:sp>
-        <p:nvSpPr>
-          <p:cNvPr id="12" name="TextBox 11">
-            <a:extLst>
-              <a:ext uri="{FF2B5EF4-FFF2-40B4-BE49-F238E27FC236}">
-                <a16:creationId xmlns:a16="http://schemas.microsoft.com/office/drawing/2014/main" id="{06A4B53F-5ED1-6D37-1882-9DF74C978B5A}"/>
-              </a:ext>
-            </a:extLst>
-          </p:cNvPr>
-          <p:cNvSpPr txBox="1"/>
-          <p:nvPr/>
-        </p:nvSpPr>
-        <p:spPr>
-          <a:xfrm>
-            <a:off x="272374" y="2276272"/>
-            <a:ext cx="5590162" cy="3970318"/>
-          </a:xfrm>
-          <a:prstGeom prst="rect">
-            <a:avLst/>
-          </a:prstGeom>
-          <a:noFill/>
-        </p:spPr>
-        <p:txBody>
-          <a:bodyPr wrap="square" rtlCol="0">
-            <a:spAutoFit/>
-          </a:bodyPr>
-          <a:lstStyle/>
-          <a:p>
-            <a:pPr marL="285750" indent="-285750">
-              <a:buFont typeface="Arial" panose="020B0604020202020204" pitchFamily="34" charset="0"/>
-              <a:buChar char="•"/>
-            </a:pPr>
-            <a:r>
-              <a:rPr lang="en-US" dirty="0"/>
-              <a:t>Microbursts identified via the burst parameter on channel 0 (~200 keV) file called </a:t>
-            </a:r>
-            <a:r>
-              <a:rPr lang="en-US" dirty="0">
-                <a:hlinkClick r:id="rId3"/>
-              </a:rPr>
-              <a:t>FU3_microburst_catalog_v5.csv</a:t>
-            </a:r>
-            <a:r>
-              <a:rPr lang="en-US" dirty="0"/>
-              <a:t>.</a:t>
-            </a:r>
-          </a:p>
-          <a:p>
-            <a:pPr marL="285750" indent="-285750">
-              <a:buFont typeface="Arial" panose="020B0604020202020204" pitchFamily="34" charset="0"/>
-              <a:buChar char="•"/>
-            </a:pPr>
-            <a:r>
-              <a:rPr lang="en-US" dirty="0"/>
-              <a:t>Fit to a Gaussian with a linear trend with a 300-ms fit width.</a:t>
-            </a:r>
-          </a:p>
-          <a:p>
-            <a:pPr marL="285750" indent="-285750">
-              <a:buFont typeface="Arial" panose="020B0604020202020204" pitchFamily="34" charset="0"/>
-              <a:buChar char="•"/>
-            </a:pPr>
-            <a:r>
-              <a:rPr lang="en-US" dirty="0"/>
-              <a:t>Initial microburst width guess is 100 </a:t>
-            </a:r>
-            <a:r>
-              <a:rPr lang="en-US" dirty="0" err="1"/>
-              <a:t>ms.</a:t>
-            </a:r>
-            <a:endParaRPr lang="en-US" dirty="0"/>
-          </a:p>
-          <a:p>
-            <a:pPr marL="285750" indent="-285750">
-              <a:buFont typeface="Arial" panose="020B0604020202020204" pitchFamily="34" charset="0"/>
-              <a:buChar char="•"/>
-            </a:pPr>
-            <a:r>
-              <a:rPr lang="en-US" dirty="0"/>
-              <a:t>1768 microbursts fit (fit converged)</a:t>
-            </a:r>
-          </a:p>
-          <a:p>
-            <a:pPr marL="285750" indent="-285750">
-              <a:buFont typeface="Arial" panose="020B0604020202020204" pitchFamily="34" charset="0"/>
-              <a:buChar char="•"/>
-            </a:pPr>
-            <a:r>
-              <a:rPr lang="en-US" dirty="0"/>
-              <a:t>6446 microbursts were not fit because</a:t>
-            </a:r>
-          </a:p>
-          <a:p>
-            <a:pPr marL="742950" lvl="1" indent="-285750">
-              <a:buFont typeface="Arial" panose="020B0604020202020204" pitchFamily="34" charset="0"/>
-              <a:buChar char="•"/>
-            </a:pPr>
-            <a:r>
-              <a:rPr lang="en-US" dirty="0"/>
-              <a:t>The </a:t>
-            </a:r>
-            <a:r>
-              <a:rPr lang="en-US" dirty="0" err="1"/>
-              <a:t>HiRes</a:t>
-            </a:r>
-            <a:r>
-              <a:rPr lang="en-US" dirty="0"/>
-              <a:t> cadence was 50 </a:t>
-            </a:r>
-            <a:r>
-              <a:rPr lang="en-US" dirty="0" err="1"/>
-              <a:t>ms</a:t>
-            </a:r>
-            <a:r>
-              <a:rPr lang="en-US" dirty="0"/>
-              <a:t>, or</a:t>
-            </a:r>
-          </a:p>
-          <a:p>
-            <a:pPr marL="742950" lvl="1" indent="-285750">
-              <a:buFont typeface="Arial" panose="020B0604020202020204" pitchFamily="34" charset="0"/>
-              <a:buChar char="•"/>
-            </a:pPr>
-            <a:r>
-              <a:rPr lang="en-US" dirty="0"/>
-              <a:t>The fit did not converge</a:t>
-            </a:r>
-          </a:p>
-          <a:p>
-            <a:pPr marL="742950" lvl="1" indent="-285750">
-              <a:buFont typeface="Arial" panose="020B0604020202020204" pitchFamily="34" charset="0"/>
-              <a:buChar char="•"/>
-            </a:pPr>
-            <a:r>
-              <a:rPr lang="en-US" dirty="0"/>
-              <a:t>(I did not track the category)</a:t>
-            </a:r>
-          </a:p>
-          <a:p>
-            <a:pPr marL="285750" indent="-285750">
-              <a:buFont typeface="Arial" panose="020B0604020202020204" pitchFamily="34" charset="0"/>
-              <a:buChar char="•"/>
-            </a:pPr>
-            <a:r>
-              <a:rPr lang="en-US" dirty="0"/>
-              <a:t>Used only microbursts with adjusted R^2 &gt; 0.9 for the distribution.</a:t>
-            </a:r>
-          </a:p>
-          <a:p>
-            <a:pPr marL="285750" indent="-285750">
-              <a:buFont typeface="Arial" panose="020B0604020202020204" pitchFamily="34" charset="0"/>
-              <a:buChar char="•"/>
-            </a:pPr>
-            <a:endParaRPr lang="en-US" dirty="0"/>
-          </a:p>
-        </p:txBody>
-      </p:sp>
     </p:spTree>
     <p:extLst>
       <p:ext uri="{BB962C8B-B14F-4D97-AF65-F5344CB8AC3E}">
-        <p14:creationId xmlns:p14="http://schemas.microsoft.com/office/powerpoint/2010/main" val="3427387256"/>
+        <p14:creationId xmlns:p14="http://schemas.microsoft.com/office/powerpoint/2010/main" val="16055474"/>
       </p:ext>
     </p:extLst>
   </p:cSld>
@@ -5235,7 +5731,7 @@
           <p:cNvPr id="2" name="Title 1">
             <a:extLst>
               <a:ext uri="{FF2B5EF4-FFF2-40B4-BE49-F238E27FC236}">
-                <a16:creationId xmlns:a16="http://schemas.microsoft.com/office/drawing/2014/main" id="{8F8F60A9-43C8-3FF4-2D7A-4686A7770D2A}"/>
+                <a16:creationId xmlns:a16="http://schemas.microsoft.com/office/drawing/2014/main" id="{12DA9F95-8B31-AFB2-29CC-4F1FACD3A458}"/>
               </a:ext>
             </a:extLst>
           </p:cNvPr>
@@ -5253,42 +5749,86 @@
           <a:p>
             <a:r>
               <a:rPr lang="en-US" dirty="0"/>
-              <a:t>Example fits</a:t>
-            </a:r>
-          </a:p>
-        </p:txBody>
-      </p:sp>
-      <p:sp>
-        <p:nvSpPr>
-          <p:cNvPr id="3" name="Content Placeholder 2">
-            <a:extLst>
-              <a:ext uri="{FF2B5EF4-FFF2-40B4-BE49-F238E27FC236}">
-                <a16:creationId xmlns:a16="http://schemas.microsoft.com/office/drawing/2014/main" id="{853B1A66-46DE-41A2-AAFD-0C677EE75060}"/>
-              </a:ext>
-            </a:extLst>
-          </p:cNvPr>
-          <p:cNvSpPr>
-            <a:spLocks noGrp="1"/>
-          </p:cNvSpPr>
-          <p:nvPr>
-            <p:ph idx="1"/>
-          </p:nvPr>
-        </p:nvSpPr>
-        <p:spPr/>
-        <p:txBody>
-          <a:bodyPr/>
-          <a:lstStyle/>
-          <a:p>
-            <a:endParaRPr lang="en-US"/>
-          </a:p>
-        </p:txBody>
-      </p:sp>
-      <p:sp>
-        <p:nvSpPr>
-          <p:cNvPr id="4" name="Date Placeholder 3">
-            <a:extLst>
-              <a:ext uri="{FF2B5EF4-FFF2-40B4-BE49-F238E27FC236}">
-                <a16:creationId xmlns:a16="http://schemas.microsoft.com/office/drawing/2014/main" id="{BD957D0C-8A5C-2495-304D-88659CBEEC9C}"/>
+              <a:t>Good Examples</a:t>
+            </a:r>
+          </a:p>
+        </p:txBody>
+      </p:sp>
+      <p:pic>
+        <p:nvPicPr>
+          <p:cNvPr id="8" name="Content Placeholder 7">
+            <a:extLst>
+              <a:ext uri="{FF2B5EF4-FFF2-40B4-BE49-F238E27FC236}">
+                <a16:creationId xmlns:a16="http://schemas.microsoft.com/office/drawing/2014/main" id="{A759CD5A-0109-CEE2-CFCB-2A39F0419A3B}"/>
+              </a:ext>
+            </a:extLst>
+          </p:cNvPr>
+          <p:cNvPicPr>
+            <a:picLocks noGrp="1" noChangeAspect="1"/>
+          </p:cNvPicPr>
+          <p:nvPr>
+            <p:ph sz="half" idx="1"/>
+          </p:nvPr>
+        </p:nvPicPr>
+        <p:blipFill>
+          <a:blip r:embed="rId2">
+            <a:extLst>
+              <a:ext uri="{28A0092B-C50C-407E-A947-70E740481C1C}">
+                <a14:useLocalDpi xmlns:a14="http://schemas.microsoft.com/office/drawing/2010/main" val="0"/>
+              </a:ext>
+            </a:extLst>
+          </a:blip>
+          <a:srcRect/>
+          <a:stretch/>
+        </p:blipFill>
+        <p:spPr>
+          <a:xfrm>
+            <a:off x="1203297" y="1219165"/>
+            <a:ext cx="4451406" cy="5564258"/>
+          </a:xfrm>
+        </p:spPr>
+      </p:pic>
+      <p:pic>
+        <p:nvPicPr>
+          <p:cNvPr id="10" name="Content Placeholder 9" descr="Diagram&#10;&#10;Description automatically generated with medium confidence">
+            <a:extLst>
+              <a:ext uri="{FF2B5EF4-FFF2-40B4-BE49-F238E27FC236}">
+                <a16:creationId xmlns:a16="http://schemas.microsoft.com/office/drawing/2014/main" id="{54FE193C-FFCA-8F92-0008-4E74756E071E}"/>
+              </a:ext>
+            </a:extLst>
+          </p:cNvPr>
+          <p:cNvPicPr>
+            <a:picLocks noGrp="1" noChangeAspect="1"/>
+          </p:cNvPicPr>
+          <p:nvPr>
+            <p:ph sz="half" idx="2"/>
+          </p:nvPr>
+        </p:nvPicPr>
+        <p:blipFill>
+          <a:blip r:embed="rId3">
+            <a:extLst>
+              <a:ext uri="{28A0092B-C50C-407E-A947-70E740481C1C}">
+                <a14:useLocalDpi xmlns:a14="http://schemas.microsoft.com/office/drawing/2010/main" val="0"/>
+              </a:ext>
+            </a:extLst>
+          </a:blip>
+          <a:stretch>
+            <a:fillRect/>
+          </a:stretch>
+        </p:blipFill>
+        <p:spPr>
+          <a:xfrm>
+            <a:off x="6537297" y="1219165"/>
+            <a:ext cx="4451406" cy="5564258"/>
+          </a:xfrm>
+        </p:spPr>
+      </p:pic>
+      <p:sp>
+        <p:nvSpPr>
+          <p:cNvPr id="5" name="Date Placeholder 4">
+            <a:extLst>
+              <a:ext uri="{FF2B5EF4-FFF2-40B4-BE49-F238E27FC236}">
+                <a16:creationId xmlns:a16="http://schemas.microsoft.com/office/drawing/2014/main" id="{9F8EEFF1-7AAF-14A9-672D-76B19C0C773F}"/>
               </a:ext>
             </a:extLst>
           </p:cNvPr>
@@ -5304,7 +5844,7 @@
           <a:bodyPr/>
           <a:lstStyle/>
           <a:p>
-            <a:fld id="{A9AE0B51-B8FF-42DE-A3A4-DF64D042A72E}" type="datetime1">
+            <a:fld id="{232BBD42-AF4D-40D9-B762-3A65569D7EBC}" type="datetime1">
               <a:rPr lang="en-US" smtClean="0"/>
               <a:t>1/30/2023</a:t>
             </a:fld>
@@ -5314,10 +5854,10 @@
       </p:sp>
       <p:sp>
         <p:nvSpPr>
-          <p:cNvPr id="5" name="Slide Number Placeholder 4">
-            <a:extLst>
-              <a:ext uri="{FF2B5EF4-FFF2-40B4-BE49-F238E27FC236}">
-                <a16:creationId xmlns:a16="http://schemas.microsoft.com/office/drawing/2014/main" id="{79C5AEF3-2789-39DB-D3AE-9BFA0381D78E}"/>
+          <p:cNvPr id="6" name="Slide Number Placeholder 5">
+            <a:extLst>
+              <a:ext uri="{FF2B5EF4-FFF2-40B4-BE49-F238E27FC236}">
+                <a16:creationId xmlns:a16="http://schemas.microsoft.com/office/drawing/2014/main" id="{CBAA418E-E09D-FD92-2D21-6A1DD57B3C63}"/>
               </a:ext>
             </a:extLst>
           </p:cNvPr>
@@ -5344,7 +5884,7 @@
     </p:spTree>
     <p:extLst>
       <p:ext uri="{BB962C8B-B14F-4D97-AF65-F5344CB8AC3E}">
-        <p14:creationId xmlns:p14="http://schemas.microsoft.com/office/powerpoint/2010/main" val="2475940860"/>
+        <p14:creationId xmlns:p14="http://schemas.microsoft.com/office/powerpoint/2010/main" val="1852692953"/>
       </p:ext>
     </p:extLst>
   </p:cSld>
@@ -5376,7 +5916,7 @@
           <p:cNvPr id="2" name="Title 1">
             <a:extLst>
               <a:ext uri="{FF2B5EF4-FFF2-40B4-BE49-F238E27FC236}">
-                <a16:creationId xmlns:a16="http://schemas.microsoft.com/office/drawing/2014/main" id="{D327198A-0EBB-6EEE-A30C-5533FB41D77F}"/>
+                <a16:creationId xmlns:a16="http://schemas.microsoft.com/office/drawing/2014/main" id="{9FF354BE-2238-39F8-805E-C3A974043629}"/>
               </a:ext>
             </a:extLst>
           </p:cNvPr>
@@ -5387,40 +5927,20 @@
             <p:ph type="title"/>
           </p:nvPr>
         </p:nvSpPr>
-        <p:spPr/>
-        <p:txBody>
-          <a:bodyPr/>
-          <a:lstStyle/>
-          <a:p>
-            <a:r>
-              <a:rPr lang="en-US"/>
-              <a:t>L-MLT distributions</a:t>
-            </a:r>
-          </a:p>
-        </p:txBody>
-      </p:sp>
-      <p:sp>
-        <p:nvSpPr>
-          <p:cNvPr id="3" name="Content Placeholder 2">
-            <a:extLst>
-              <a:ext uri="{FF2B5EF4-FFF2-40B4-BE49-F238E27FC236}">
-                <a16:creationId xmlns:a16="http://schemas.microsoft.com/office/drawing/2014/main" id="{E7685D87-DD4E-C159-624A-7BF5B76E942A}"/>
-              </a:ext>
-            </a:extLst>
-          </p:cNvPr>
-          <p:cNvSpPr>
-            <a:spLocks noGrp="1"/>
-          </p:cNvSpPr>
-          <p:nvPr>
-            <p:ph idx="1"/>
-          </p:nvPr>
-        </p:nvSpPr>
-        <p:spPr/>
-        <p:txBody>
-          <a:bodyPr/>
-          <a:lstStyle/>
-          <a:p>
-            <a:endParaRPr lang="en-US"/>
+        <p:spPr>
+          <a:xfrm>
+            <a:off x="505838" y="365125"/>
+            <a:ext cx="5590162" cy="2125156"/>
+          </a:xfrm>
+        </p:spPr>
+        <p:txBody>
+          <a:bodyPr/>
+          <a:lstStyle/>
+          <a:p>
+            <a:r>
+              <a:rPr lang="en-US" dirty="0"/>
+              <a:t>Microburst Durations v0</a:t>
+            </a:r>
           </a:p>
         </p:txBody>
       </p:sp>
@@ -5429,7 +5949,7 @@
           <p:cNvPr id="4" name="Date Placeholder 3">
             <a:extLst>
               <a:ext uri="{FF2B5EF4-FFF2-40B4-BE49-F238E27FC236}">
-                <a16:creationId xmlns:a16="http://schemas.microsoft.com/office/drawing/2014/main" id="{83E1DA83-1C25-DE1B-671A-58D2343D612E}"/>
+                <a16:creationId xmlns:a16="http://schemas.microsoft.com/office/drawing/2014/main" id="{90302BC9-54FA-E889-D491-38AA529EDE96}"/>
               </a:ext>
             </a:extLst>
           </p:cNvPr>
@@ -5458,7 +5978,7 @@
           <p:cNvPr id="5" name="Slide Number Placeholder 4">
             <a:extLst>
               <a:ext uri="{FF2B5EF4-FFF2-40B4-BE49-F238E27FC236}">
-                <a16:creationId xmlns:a16="http://schemas.microsoft.com/office/drawing/2014/main" id="{70515A79-E47A-AE6B-CFAE-7C921EB7DD41}"/>
+                <a16:creationId xmlns:a16="http://schemas.microsoft.com/office/drawing/2014/main" id="{3A0C4010-33C8-6492-6CF0-014BC4C3806F}"/>
               </a:ext>
             </a:extLst>
           </p:cNvPr>
@@ -5482,10 +6002,181 @@
           </a:p>
         </p:txBody>
       </p:sp>
+      <p:pic>
+        <p:nvPicPr>
+          <p:cNvPr id="11" name="Content Placeholder 10">
+            <a:extLst>
+              <a:ext uri="{FF2B5EF4-FFF2-40B4-BE49-F238E27FC236}">
+                <a16:creationId xmlns:a16="http://schemas.microsoft.com/office/drawing/2014/main" id="{2E8A1B65-4A77-DD84-5668-E9AA4171DB77}"/>
+              </a:ext>
+            </a:extLst>
+          </p:cNvPr>
+          <p:cNvPicPr>
+            <a:picLocks noGrp="1" noChangeAspect="1"/>
+          </p:cNvPicPr>
+          <p:nvPr>
+            <p:ph idx="1"/>
+          </p:nvPr>
+        </p:nvPicPr>
+        <p:blipFill>
+          <a:blip r:embed="rId2">
+            <a:extLst>
+              <a:ext uri="{28A0092B-C50C-407E-A947-70E740481C1C}">
+                <a14:useLocalDpi xmlns:a14="http://schemas.microsoft.com/office/drawing/2010/main" val="0"/>
+              </a:ext>
+            </a:extLst>
+          </a:blip>
+          <a:srcRect/>
+          <a:stretch/>
+        </p:blipFill>
+        <p:spPr>
+          <a:xfrm>
+            <a:off x="6558119" y="86566"/>
+            <a:ext cx="4442481" cy="6515640"/>
+          </a:xfrm>
+        </p:spPr>
+      </p:pic>
+      <p:sp>
+        <p:nvSpPr>
+          <p:cNvPr id="12" name="TextBox 11">
+            <a:extLst>
+              <a:ext uri="{FF2B5EF4-FFF2-40B4-BE49-F238E27FC236}">
+                <a16:creationId xmlns:a16="http://schemas.microsoft.com/office/drawing/2014/main" id="{06A4B53F-5ED1-6D37-1882-9DF74C978B5A}"/>
+              </a:ext>
+            </a:extLst>
+          </p:cNvPr>
+          <p:cNvSpPr txBox="1"/>
+          <p:nvPr/>
+        </p:nvSpPr>
+        <p:spPr>
+          <a:xfrm>
+            <a:off x="272374" y="2276272"/>
+            <a:ext cx="5590162" cy="3139321"/>
+          </a:xfrm>
+          <a:prstGeom prst="rect">
+            <a:avLst/>
+          </a:prstGeom>
+          <a:noFill/>
+        </p:spPr>
+        <p:txBody>
+          <a:bodyPr wrap="square" rtlCol="0">
+            <a:spAutoFit/>
+          </a:bodyPr>
+          <a:lstStyle/>
+          <a:p>
+            <a:pPr marL="285750" indent="-285750">
+              <a:buFont typeface="Arial" panose="020B0604020202020204" pitchFamily="34" charset="0"/>
+              <a:buChar char="•"/>
+            </a:pPr>
+            <a:r>
+              <a:rPr lang="en-US" dirty="0"/>
+              <a:t>Fit to a Gaussian with a linear trend with a 300-ms fit width.</a:t>
+            </a:r>
+          </a:p>
+          <a:p>
+            <a:pPr marL="285750" indent="-285750">
+              <a:buFont typeface="Arial" panose="020B0604020202020204" pitchFamily="34" charset="0"/>
+              <a:buChar char="•"/>
+            </a:pPr>
+            <a:r>
+              <a:rPr lang="en-US" dirty="0"/>
+              <a:t>Initial microburst width guess is 100 </a:t>
+            </a:r>
+            <a:r>
+              <a:rPr lang="en-US" dirty="0" err="1"/>
+              <a:t>ms.</a:t>
+            </a:r>
+            <a:endParaRPr lang="en-US" dirty="0"/>
+          </a:p>
+          <a:p>
+            <a:pPr marL="285750" indent="-285750">
+              <a:buFont typeface="Arial" panose="020B0604020202020204" pitchFamily="34" charset="0"/>
+              <a:buChar char="•"/>
+            </a:pPr>
+            <a:r>
+              <a:rPr lang="en-US" dirty="0"/>
+              <a:t>1768 microbursts fit (fit converged)</a:t>
+            </a:r>
+          </a:p>
+          <a:p>
+            <a:pPr marL="285750" indent="-285750">
+              <a:buFont typeface="Arial" panose="020B0604020202020204" pitchFamily="34" charset="0"/>
+              <a:buChar char="•"/>
+            </a:pPr>
+            <a:r>
+              <a:rPr lang="en-US" dirty="0"/>
+              <a:t>6446 microbursts were not fit because</a:t>
+            </a:r>
+          </a:p>
+          <a:p>
+            <a:pPr marL="742950" lvl="1" indent="-285750">
+              <a:buFont typeface="Arial" panose="020B0604020202020204" pitchFamily="34" charset="0"/>
+              <a:buChar char="•"/>
+            </a:pPr>
+            <a:r>
+              <a:rPr lang="en-US" dirty="0"/>
+              <a:t>The </a:t>
+            </a:r>
+            <a:r>
+              <a:rPr lang="en-US" dirty="0" err="1"/>
+              <a:t>HiRes</a:t>
+            </a:r>
+            <a:r>
+              <a:rPr lang="en-US" dirty="0"/>
+              <a:t> cadence was 50 </a:t>
+            </a:r>
+            <a:r>
+              <a:rPr lang="en-US" dirty="0" err="1"/>
+              <a:t>ms</a:t>
+            </a:r>
+            <a:r>
+              <a:rPr lang="en-US" dirty="0"/>
+              <a:t>, or</a:t>
+            </a:r>
+          </a:p>
+          <a:p>
+            <a:pPr marL="742950" lvl="1" indent="-285750">
+              <a:buFont typeface="Arial" panose="020B0604020202020204" pitchFamily="34" charset="0"/>
+              <a:buChar char="•"/>
+            </a:pPr>
+            <a:r>
+              <a:rPr lang="en-US" dirty="0"/>
+              <a:t>The fit did not converge</a:t>
+            </a:r>
+          </a:p>
+          <a:p>
+            <a:pPr marL="742950" lvl="1" indent="-285750">
+              <a:buFont typeface="Arial" panose="020B0604020202020204" pitchFamily="34" charset="0"/>
+              <a:buChar char="•"/>
+            </a:pPr>
+            <a:r>
+              <a:rPr lang="en-US" dirty="0"/>
+              <a:t>(I did not track the category)</a:t>
+            </a:r>
+          </a:p>
+          <a:p>
+            <a:pPr marL="285750" indent="-285750">
+              <a:buFont typeface="Arial" panose="020B0604020202020204" pitchFamily="34" charset="0"/>
+              <a:buChar char="•"/>
+            </a:pPr>
+            <a:r>
+              <a:rPr lang="en-US" dirty="0"/>
+              <a:t>Used only microbursts with adjusted R^2 &gt; 0.9 for the distribution.</a:t>
+            </a:r>
+          </a:p>
+          <a:p>
+            <a:pPr marL="285750" indent="-285750">
+              <a:buFont typeface="Arial" panose="020B0604020202020204" pitchFamily="34" charset="0"/>
+              <a:buChar char="•"/>
+            </a:pPr>
+            <a:endParaRPr lang="en-US" dirty="0"/>
+          </a:p>
+        </p:txBody>
+      </p:sp>
     </p:spTree>
     <p:extLst>
       <p:ext uri="{BB962C8B-B14F-4D97-AF65-F5344CB8AC3E}">
-        <p14:creationId xmlns:p14="http://schemas.microsoft.com/office/powerpoint/2010/main" val="1485937462"/>
+        <p14:creationId xmlns:p14="http://schemas.microsoft.com/office/powerpoint/2010/main" val="3427387256"/>
       </p:ext>
     </p:extLst>
   </p:cSld>
@@ -5517,7 +6208,7 @@
           <p:cNvPr id="2" name="Title 1">
             <a:extLst>
               <a:ext uri="{FF2B5EF4-FFF2-40B4-BE49-F238E27FC236}">
-                <a16:creationId xmlns:a16="http://schemas.microsoft.com/office/drawing/2014/main" id="{4A50B4F5-C6C8-5D9E-DF28-218722F8E3F1}"/>
+                <a16:creationId xmlns:a16="http://schemas.microsoft.com/office/drawing/2014/main" id="{43E504AB-B8C8-2B7F-BCA0-D4E6D88EADB8}"/>
               </a:ext>
             </a:extLst>
           </p:cNvPr>
@@ -5535,106 +6226,87 @@
           <a:p>
             <a:r>
               <a:rPr lang="en-US" dirty="0"/>
-              <a:t>Impressions &amp; Improvements</a:t>
-            </a:r>
-          </a:p>
-        </p:txBody>
-      </p:sp>
-      <p:sp>
-        <p:nvSpPr>
-          <p:cNvPr id="3" name="Content Placeholder 2">
-            <a:extLst>
-              <a:ext uri="{FF2B5EF4-FFF2-40B4-BE49-F238E27FC236}">
-                <a16:creationId xmlns:a16="http://schemas.microsoft.com/office/drawing/2014/main" id="{62C43083-E790-17CE-F497-035F51944162}"/>
-              </a:ext>
-            </a:extLst>
-          </p:cNvPr>
-          <p:cNvSpPr>
-            <a:spLocks noGrp="1"/>
-          </p:cNvSpPr>
-          <p:nvPr>
-            <p:ph idx="1"/>
-          </p:nvPr>
-        </p:nvSpPr>
-        <p:spPr/>
-        <p:txBody>
-          <a:bodyPr/>
-          <a:lstStyle/>
-          <a:p>
-            <a:r>
-              <a:rPr lang="en-US" dirty="0"/>
-              <a:t>Impressions</a:t>
-            </a:r>
-          </a:p>
-          <a:p>
-            <a:pPr lvl="1"/>
-            <a:r>
-              <a:rPr lang="en-US" dirty="0"/>
-              <a:t>The 200-500 keV durations look nice and surprisingly don’t change much in energy.</a:t>
-            </a:r>
-          </a:p>
-          <a:p>
-            <a:pPr lvl="1"/>
-            <a:r>
-              <a:rPr lang="en-US" dirty="0"/>
-              <a:t>The &gt; 1 MeV microburst durations should have been close to 100 </a:t>
-            </a:r>
-            <a:r>
-              <a:rPr lang="en-US" dirty="0" err="1"/>
-              <a:t>ms</a:t>
-            </a:r>
-            <a:r>
-              <a:rPr lang="en-US" dirty="0"/>
-              <a:t>, but the distribution looks wrong</a:t>
-            </a:r>
-          </a:p>
-          <a:p>
-            <a:r>
-              <a:rPr lang="en-US" dirty="0"/>
-              <a:t>Improvements</a:t>
-            </a:r>
-          </a:p>
-          <a:p>
-            <a:pPr lvl="1"/>
-            <a:r>
-              <a:rPr lang="en-US" dirty="0"/>
-              <a:t>Use my “number of 0’s” based saturation filter to remove bad events.</a:t>
-            </a:r>
-          </a:p>
-          <a:p>
-            <a:pPr lvl="1"/>
-            <a:r>
-              <a:rPr lang="en-US" dirty="0"/>
-              <a:t>Closely inspect the fits</a:t>
-            </a:r>
-          </a:p>
-          <a:p>
-            <a:pPr lvl="1"/>
-            <a:r>
-              <a:rPr lang="en-US" dirty="0"/>
-              <a:t>Try out different fit initial guesses such as initial </a:t>
-            </a:r>
-            <a:r>
-              <a:rPr lang="en-US" dirty="0" err="1"/>
-              <a:t>fwhm</a:t>
-            </a:r>
-            <a:endParaRPr lang="en-US" dirty="0"/>
-          </a:p>
-          <a:p>
-            <a:pPr lvl="1"/>
-            <a:r>
-              <a:rPr lang="en-US" dirty="0"/>
-              <a:t>Maybe could try this using the BARREL data?</a:t>
-            </a:r>
-          </a:p>
-        </p:txBody>
-      </p:sp>
+              <a:t>Inverse Dispersion?</a:t>
+            </a:r>
+          </a:p>
+        </p:txBody>
+      </p:sp>
+      <p:pic>
+        <p:nvPicPr>
+          <p:cNvPr id="9" name="Content Placeholder 8" descr="Diagram&#10;&#10;Description automatically generated">
+            <a:extLst>
+              <a:ext uri="{FF2B5EF4-FFF2-40B4-BE49-F238E27FC236}">
+                <a16:creationId xmlns:a16="http://schemas.microsoft.com/office/drawing/2014/main" id="{63C6DE8D-9747-1845-7130-3D2FCFBD7397}"/>
+              </a:ext>
+            </a:extLst>
+          </p:cNvPr>
+          <p:cNvPicPr>
+            <a:picLocks noGrp="1" noChangeAspect="1"/>
+          </p:cNvPicPr>
+          <p:nvPr>
+            <p:ph sz="half" idx="1"/>
+          </p:nvPr>
+        </p:nvPicPr>
+        <p:blipFill>
+          <a:blip r:embed="rId2">
+            <a:extLst>
+              <a:ext uri="{28A0092B-C50C-407E-A947-70E740481C1C}">
+                <a14:useLocalDpi xmlns:a14="http://schemas.microsoft.com/office/drawing/2010/main" val="0"/>
+              </a:ext>
+            </a:extLst>
+          </a:blip>
+          <a:stretch>
+            <a:fillRect/>
+          </a:stretch>
+        </p:blipFill>
+        <p:spPr>
+          <a:xfrm>
+            <a:off x="1391055" y="1453862"/>
+            <a:ext cx="4075890" cy="5094864"/>
+          </a:xfrm>
+        </p:spPr>
+      </p:pic>
+      <p:pic>
+        <p:nvPicPr>
+          <p:cNvPr id="11" name="Content Placeholder 10" descr="Diagram&#10;&#10;Description automatically generated">
+            <a:extLst>
+              <a:ext uri="{FF2B5EF4-FFF2-40B4-BE49-F238E27FC236}">
+                <a16:creationId xmlns:a16="http://schemas.microsoft.com/office/drawing/2014/main" id="{3AD42B89-6417-ACC9-DA59-8B9F32A621E0}"/>
+              </a:ext>
+            </a:extLst>
+          </p:cNvPr>
+          <p:cNvPicPr>
+            <a:picLocks noGrp="1" noChangeAspect="1"/>
+          </p:cNvPicPr>
+          <p:nvPr>
+            <p:ph sz="half" idx="2"/>
+          </p:nvPr>
+        </p:nvPicPr>
+        <p:blipFill>
+          <a:blip r:embed="rId3">
+            <a:extLst>
+              <a:ext uri="{28A0092B-C50C-407E-A947-70E740481C1C}">
+                <a14:useLocalDpi xmlns:a14="http://schemas.microsoft.com/office/drawing/2010/main" val="0"/>
+              </a:ext>
+            </a:extLst>
+          </a:blip>
+          <a:stretch>
+            <a:fillRect/>
+          </a:stretch>
+        </p:blipFill>
+        <p:spPr>
+          <a:xfrm>
+            <a:off x="6725055" y="1453862"/>
+            <a:ext cx="4075890" cy="5094864"/>
+          </a:xfrm>
+        </p:spPr>
+      </p:pic>
       <p:sp>
         <p:nvSpPr>
           <p:cNvPr id="4" name="Date Placeholder 3">
             <a:extLst>
               <a:ext uri="{FF2B5EF4-FFF2-40B4-BE49-F238E27FC236}">
-                <a16:creationId xmlns:a16="http://schemas.microsoft.com/office/drawing/2014/main" id="{3C41F324-C46E-A573-9F8F-52235659C096}"/>
+                <a16:creationId xmlns:a16="http://schemas.microsoft.com/office/drawing/2014/main" id="{DFCAA49B-B086-E88F-CF92-A581491D7402}"/>
               </a:ext>
             </a:extLst>
           </p:cNvPr>
@@ -5663,7 +6335,7 @@
           <p:cNvPr id="5" name="Slide Number Placeholder 4">
             <a:extLst>
               <a:ext uri="{FF2B5EF4-FFF2-40B4-BE49-F238E27FC236}">
-                <a16:creationId xmlns:a16="http://schemas.microsoft.com/office/drawing/2014/main" id="{6F6B275A-D158-90A9-7766-1EA823B89C0B}"/>
+                <a16:creationId xmlns:a16="http://schemas.microsoft.com/office/drawing/2014/main" id="{9C49DA60-C7A7-3C94-E2D5-1A155CF5B9F6}"/>
               </a:ext>
             </a:extLst>
           </p:cNvPr>
@@ -5690,7 +6362,7 @@
     </p:spTree>
     <p:extLst>
       <p:ext uri="{BB962C8B-B14F-4D97-AF65-F5344CB8AC3E}">
-        <p14:creationId xmlns:p14="http://schemas.microsoft.com/office/powerpoint/2010/main" val="1626119085"/>
+        <p14:creationId xmlns:p14="http://schemas.microsoft.com/office/powerpoint/2010/main" val="3880597601"/>
       </p:ext>
     </p:extLst>
   </p:cSld>

--- a/presentations/20230130_firebird_microburst_durations.pptx
+++ b/presentations/20230130_firebird_microburst_durations.pptx
@@ -5,7 +5,7 @@
     <p:sldMasterId id="2147483648" r:id="rId1"/>
   </p:sldMasterIdLst>
   <p:notesMasterIdLst>
-    <p:notesMasterId r:id="rId13"/>
+    <p:notesMasterId r:id="rId15"/>
   </p:notesMasterIdLst>
   <p:sldIdLst>
     <p:sldId id="256" r:id="rId2"/>
@@ -15,10 +15,12 @@
     <p:sldId id="264" r:id="rId6"/>
     <p:sldId id="265" r:id="rId7"/>
     <p:sldId id="266" r:id="rId8"/>
-    <p:sldId id="257" r:id="rId9"/>
-    <p:sldId id="267" r:id="rId10"/>
-    <p:sldId id="268" r:id="rId11"/>
-    <p:sldId id="259" r:id="rId12"/>
+    <p:sldId id="269" r:id="rId9"/>
+    <p:sldId id="257" r:id="rId10"/>
+    <p:sldId id="270" r:id="rId11"/>
+    <p:sldId id="267" r:id="rId12"/>
+    <p:sldId id="268" r:id="rId13"/>
+    <p:sldId id="259" r:id="rId14"/>
   </p:sldIdLst>
   <p:sldSz cx="12192000" cy="6858000"/>
   <p:notesSz cx="6858000" cy="9144000"/>
@@ -3846,7 +3848,7 @@
           <p:cNvPr id="2" name="Title 1">
             <a:extLst>
               <a:ext uri="{FF2B5EF4-FFF2-40B4-BE49-F238E27FC236}">
-                <a16:creationId xmlns:a16="http://schemas.microsoft.com/office/drawing/2014/main" id="{43E504AB-B8C8-2B7F-BCA0-D4E6D88EADB8}"/>
+                <a16:creationId xmlns:a16="http://schemas.microsoft.com/office/drawing/2014/main" id="{9FF354BE-2238-39F8-805E-C3A974043629}"/>
               </a:ext>
             </a:extLst>
           </p:cNvPr>
@@ -3857,24 +3859,87 @@
             <p:ph type="title"/>
           </p:nvPr>
         </p:nvSpPr>
+        <p:spPr>
+          <a:xfrm>
+            <a:off x="505838" y="365125"/>
+            <a:ext cx="5590162" cy="915035"/>
+          </a:xfrm>
+        </p:spPr>
+        <p:txBody>
+          <a:bodyPr/>
+          <a:lstStyle/>
+          <a:p>
+            <a:r>
+              <a:rPr lang="en-US" dirty="0"/>
+              <a:t>Duration Distributions</a:t>
+            </a:r>
+          </a:p>
+        </p:txBody>
+      </p:sp>
+      <p:sp>
+        <p:nvSpPr>
+          <p:cNvPr id="4" name="Date Placeholder 3">
+            <a:extLst>
+              <a:ext uri="{FF2B5EF4-FFF2-40B4-BE49-F238E27FC236}">
+                <a16:creationId xmlns:a16="http://schemas.microsoft.com/office/drawing/2014/main" id="{90302BC9-54FA-E889-D491-38AA529EDE96}"/>
+              </a:ext>
+            </a:extLst>
+          </p:cNvPr>
+          <p:cNvSpPr>
+            <a:spLocks noGrp="1"/>
+          </p:cNvSpPr>
+          <p:nvPr>
+            <p:ph type="dt" sz="half" idx="10"/>
+          </p:nvPr>
+        </p:nvSpPr>
         <p:spPr/>
         <p:txBody>
           <a:bodyPr/>
           <a:lstStyle/>
           <a:p>
-            <a:r>
-              <a:rPr lang="en-US" dirty="0"/>
-              <a:t>Dispersion?</a:t>
-            </a:r>
+            <a:fld id="{A9AE0B51-B8FF-42DE-A3A4-DF64D042A72E}" type="datetime1">
+              <a:rPr lang="en-US" smtClean="0"/>
+              <a:t>1/30/2023</a:t>
+            </a:fld>
+            <a:endParaRPr lang="en-US"/>
+          </a:p>
+        </p:txBody>
+      </p:sp>
+      <p:sp>
+        <p:nvSpPr>
+          <p:cNvPr id="5" name="Slide Number Placeholder 4">
+            <a:extLst>
+              <a:ext uri="{FF2B5EF4-FFF2-40B4-BE49-F238E27FC236}">
+                <a16:creationId xmlns:a16="http://schemas.microsoft.com/office/drawing/2014/main" id="{3A0C4010-33C8-6492-6CF0-014BC4C3806F}"/>
+              </a:ext>
+            </a:extLst>
+          </p:cNvPr>
+          <p:cNvSpPr>
+            <a:spLocks noGrp="1"/>
+          </p:cNvSpPr>
+          <p:nvPr>
+            <p:ph type="sldNum" sz="quarter" idx="12"/>
+          </p:nvPr>
+        </p:nvSpPr>
+        <p:spPr/>
+        <p:txBody>
+          <a:bodyPr/>
+          <a:lstStyle/>
+          <a:p>
+            <a:fld id="{806C93F5-D892-47E2-990F-7040AF29FE32}" type="slidenum">
+              <a:rPr lang="en-US" smtClean="0"/>
+              <a:t>10</a:t>
+            </a:fld>
+            <a:endParaRPr lang="en-US"/>
           </a:p>
         </p:txBody>
       </p:sp>
       <p:pic>
         <p:nvPicPr>
-          <p:cNvPr id="9" name="Content Placeholder 8">
-            <a:extLst>
-              <a:ext uri="{FF2B5EF4-FFF2-40B4-BE49-F238E27FC236}">
-                <a16:creationId xmlns:a16="http://schemas.microsoft.com/office/drawing/2014/main" id="{63C6DE8D-9747-1845-7130-3D2FCFBD7397}"/>
+          <p:cNvPr id="11" name="Content Placeholder 10">
+            <a:extLst>
+              <a:ext uri="{FF2B5EF4-FFF2-40B4-BE49-F238E27FC236}">
+                <a16:creationId xmlns:a16="http://schemas.microsoft.com/office/drawing/2014/main" id="{2E8A1B65-4A77-DD84-5668-E9AA4171DB77}"/>
               </a:ext>
             </a:extLst>
           </p:cNvPr>
@@ -3882,7 +3947,7 @@
             <a:picLocks noGrp="1" noChangeAspect="1"/>
           </p:cNvPicPr>
           <p:nvPr>
-            <p:ph sz="half" idx="1"/>
+            <p:ph idx="1"/>
           </p:nvPr>
         </p:nvPicPr>
         <p:blipFill>
@@ -3895,6 +3960,419 @@
           </a:blip>
           <a:srcRect/>
           <a:stretch/>
+        </p:blipFill>
+        <p:spPr>
+          <a:xfrm>
+            <a:off x="6558119" y="86566"/>
+            <a:ext cx="4442481" cy="6515640"/>
+          </a:xfrm>
+        </p:spPr>
+      </p:pic>
+      <p:sp>
+        <p:nvSpPr>
+          <p:cNvPr id="12" name="TextBox 11">
+            <a:extLst>
+              <a:ext uri="{FF2B5EF4-FFF2-40B4-BE49-F238E27FC236}">
+                <a16:creationId xmlns:a16="http://schemas.microsoft.com/office/drawing/2014/main" id="{06A4B53F-5ED1-6D37-1882-9DF74C978B5A}"/>
+              </a:ext>
+            </a:extLst>
+          </p:cNvPr>
+          <p:cNvSpPr txBox="1"/>
+          <p:nvPr/>
+        </p:nvSpPr>
+        <p:spPr>
+          <a:xfrm>
+            <a:off x="351887" y="1052710"/>
+            <a:ext cx="5590162" cy="5632311"/>
+          </a:xfrm>
+          <a:prstGeom prst="rect">
+            <a:avLst/>
+          </a:prstGeom>
+          <a:noFill/>
+        </p:spPr>
+        <p:txBody>
+          <a:bodyPr wrap="square" rtlCol="0">
+            <a:spAutoFit/>
+          </a:bodyPr>
+          <a:lstStyle/>
+          <a:p>
+            <a:pPr marL="285750" indent="-285750">
+              <a:buFont typeface="Arial" panose="020B0604020202020204" pitchFamily="34" charset="0"/>
+              <a:buChar char="•"/>
+            </a:pPr>
+            <a:r>
+              <a:rPr lang="en-US" sz="2000" dirty="0"/>
+              <a:t>Microburst fits were filtered</a:t>
+            </a:r>
+          </a:p>
+          <a:p>
+            <a:pPr marL="742950" lvl="1" indent="-285750">
+              <a:buFont typeface="Arial" panose="020B0604020202020204" pitchFamily="34" charset="0"/>
+              <a:buChar char="•"/>
+            </a:pPr>
+            <a:r>
+              <a:rPr lang="en-US" sz="2000" dirty="0"/>
+              <a:t>Each microburst max(R^2) &gt; 0.9 in all energy channels</a:t>
+            </a:r>
+          </a:p>
+          <a:p>
+            <a:pPr marL="285750" indent="-285750">
+              <a:buFont typeface="Arial" panose="020B0604020202020204" pitchFamily="34" charset="0"/>
+              <a:buChar char="•"/>
+            </a:pPr>
+            <a:r>
+              <a:rPr lang="en-US" sz="2000" dirty="0"/>
+              <a:t>Distributions in channels 0-2 look believable</a:t>
+            </a:r>
+          </a:p>
+          <a:p>
+            <a:pPr marL="742950" lvl="1" indent="-285750">
+              <a:buFont typeface="Arial" panose="020B0604020202020204" pitchFamily="34" charset="0"/>
+              <a:buChar char="•"/>
+            </a:pPr>
+            <a:r>
+              <a:rPr lang="en-US" sz="2000" dirty="0"/>
+              <a:t>Durations slightly decrease in energy and are already narrower than SAMPEX.</a:t>
+            </a:r>
+          </a:p>
+          <a:p>
+            <a:pPr marL="742950" lvl="1" indent="-285750">
+              <a:buFont typeface="Arial" panose="020B0604020202020204" pitchFamily="34" charset="0"/>
+              <a:buChar char="•"/>
+            </a:pPr>
+            <a:r>
+              <a:rPr lang="en-US" sz="2000" dirty="0"/>
+              <a:t>Perhaps this can be attributed to the drastically different geometric factors of FIREBIRD-II and SAMPEX?</a:t>
+            </a:r>
+          </a:p>
+          <a:p>
+            <a:pPr marL="285750" indent="-285750">
+              <a:buFont typeface="Arial" panose="020B0604020202020204" pitchFamily="34" charset="0"/>
+              <a:buChar char="•"/>
+            </a:pPr>
+            <a:r>
+              <a:rPr lang="en-US" sz="2000" dirty="0"/>
+              <a:t>Channels 3-5 don’t look as nice.</a:t>
+            </a:r>
+          </a:p>
+          <a:p>
+            <a:pPr marL="285750" indent="-285750">
+              <a:buFont typeface="Arial" panose="020B0604020202020204" pitchFamily="34" charset="0"/>
+              <a:buChar char="•"/>
+            </a:pPr>
+            <a:r>
+              <a:rPr lang="en-US" sz="2000" dirty="0"/>
+              <a:t>A suspicious peak around 120 </a:t>
+            </a:r>
+            <a:r>
+              <a:rPr lang="en-US" sz="2000" dirty="0" err="1"/>
+              <a:t>ms.</a:t>
+            </a:r>
+            <a:r>
+              <a:rPr lang="en-US" sz="2000" dirty="0"/>
+              <a:t> Most evident in 4</a:t>
+            </a:r>
+            <a:r>
+              <a:rPr lang="en-US" sz="2000" baseline="30000" dirty="0"/>
+              <a:t>th</a:t>
+            </a:r>
+            <a:r>
+              <a:rPr lang="en-US" sz="2000" dirty="0"/>
+              <a:t> and 5</a:t>
+            </a:r>
+            <a:r>
+              <a:rPr lang="en-US" sz="2000" baseline="30000" dirty="0"/>
+              <a:t>th</a:t>
+            </a:r>
+            <a:r>
+              <a:rPr lang="en-US" sz="2000" dirty="0"/>
+              <a:t> energy channel.</a:t>
+            </a:r>
+          </a:p>
+          <a:p>
+            <a:pPr marL="285750" indent="-285750">
+              <a:buFont typeface="Arial" panose="020B0604020202020204" pitchFamily="34" charset="0"/>
+              <a:buChar char="•"/>
+            </a:pPr>
+            <a:r>
+              <a:rPr lang="en-US" sz="2000" dirty="0">
+                <a:solidFill>
+                  <a:schemeClr val="accent2"/>
+                </a:solidFill>
+              </a:rPr>
+              <a:t>Possible fit filtering modifications</a:t>
+            </a:r>
+          </a:p>
+          <a:p>
+            <a:pPr marL="742950" lvl="1" indent="-285750">
+              <a:buFont typeface="Arial" panose="020B0604020202020204" pitchFamily="34" charset="0"/>
+              <a:buChar char="•"/>
+            </a:pPr>
+            <a:r>
+              <a:rPr lang="en-US" sz="2000" dirty="0">
+                <a:solidFill>
+                  <a:schemeClr val="accent2"/>
+                </a:solidFill>
+              </a:rPr>
+              <a:t>Ensure that the 6 channel FWHMs are within X% of the mean FWHM</a:t>
+            </a:r>
+          </a:p>
+          <a:p>
+            <a:pPr marL="742950" lvl="1" indent="-285750">
+              <a:buFont typeface="Arial" panose="020B0604020202020204" pitchFamily="34" charset="0"/>
+              <a:buChar char="•"/>
+            </a:pPr>
+            <a:r>
+              <a:rPr lang="en-US" sz="2000" dirty="0">
+                <a:solidFill>
+                  <a:schemeClr val="accent2"/>
+                </a:solidFill>
+              </a:rPr>
+              <a:t>Check that the amplitudes are all positive</a:t>
+            </a:r>
+          </a:p>
+          <a:p>
+            <a:pPr marL="742950" lvl="1" indent="-285750">
+              <a:buFont typeface="Arial" panose="020B0604020202020204" pitchFamily="34" charset="0"/>
+              <a:buChar char="•"/>
+            </a:pPr>
+            <a:r>
+              <a:rPr lang="en-US" sz="2000" dirty="0">
+                <a:solidFill>
+                  <a:schemeClr val="accent2"/>
+                </a:solidFill>
+              </a:rPr>
+              <a:t>Use a 0s filter to remove dead time saturation</a:t>
+            </a:r>
+          </a:p>
+        </p:txBody>
+      </p:sp>
+      <p:sp>
+        <p:nvSpPr>
+          <p:cNvPr id="3" name="TextBox 2">
+            <a:extLst>
+              <a:ext uri="{FF2B5EF4-FFF2-40B4-BE49-F238E27FC236}">
+                <a16:creationId xmlns:a16="http://schemas.microsoft.com/office/drawing/2014/main" id="{1E892A54-4190-71CE-CF24-11ABDBE5C309}"/>
+              </a:ext>
+            </a:extLst>
+          </p:cNvPr>
+          <p:cNvSpPr txBox="1"/>
+          <p:nvPr/>
+        </p:nvSpPr>
+        <p:spPr>
+          <a:xfrm>
+            <a:off x="7434469" y="5096786"/>
+            <a:ext cx="1765189" cy="369332"/>
+          </a:xfrm>
+          <a:prstGeom prst="rect">
+            <a:avLst/>
+          </a:prstGeom>
+          <a:noFill/>
+        </p:spPr>
+        <p:txBody>
+          <a:bodyPr wrap="square" rtlCol="0">
+            <a:spAutoFit/>
+          </a:bodyPr>
+          <a:lstStyle/>
+          <a:p>
+            <a:r>
+              <a:rPr lang="en-US" dirty="0">
+                <a:solidFill>
+                  <a:schemeClr val="accent2"/>
+                </a:solidFill>
+              </a:rPr>
+              <a:t>Suspicious peak</a:t>
+            </a:r>
+          </a:p>
+        </p:txBody>
+      </p:sp>
+      <p:cxnSp>
+        <p:nvCxnSpPr>
+          <p:cNvPr id="9" name="Straight Arrow Connector 8">
+            <a:extLst>
+              <a:ext uri="{FF2B5EF4-FFF2-40B4-BE49-F238E27FC236}">
+                <a16:creationId xmlns:a16="http://schemas.microsoft.com/office/drawing/2014/main" id="{F14A0242-0273-7D3B-FE47-D5206C0BCB85}"/>
+              </a:ext>
+            </a:extLst>
+          </p:cNvPr>
+          <p:cNvCxnSpPr>
+            <a:cxnSpLocks/>
+            <a:stCxn id="3" idx="0"/>
+          </p:cNvCxnSpPr>
+          <p:nvPr/>
+        </p:nvCxnSpPr>
+        <p:spPr>
+          <a:xfrm flipH="1" flipV="1">
+            <a:off x="8038769" y="4595854"/>
+            <a:ext cx="278295" cy="500932"/>
+          </a:xfrm>
+          <a:prstGeom prst="straightConnector1">
+            <a:avLst/>
+          </a:prstGeom>
+          <a:ln w="38100">
+            <a:solidFill>
+              <a:schemeClr val="accent2"/>
+            </a:solidFill>
+            <a:tailEnd type="triangle"/>
+          </a:ln>
+        </p:spPr>
+        <p:style>
+          <a:lnRef idx="1">
+            <a:schemeClr val="accent1"/>
+          </a:lnRef>
+          <a:fillRef idx="0">
+            <a:schemeClr val="accent1"/>
+          </a:fillRef>
+          <a:effectRef idx="0">
+            <a:schemeClr val="accent1"/>
+          </a:effectRef>
+          <a:fontRef idx="minor">
+            <a:schemeClr val="tx1"/>
+          </a:fontRef>
+        </p:style>
+      </p:cxnSp>
+      <p:cxnSp>
+        <p:nvCxnSpPr>
+          <p:cNvPr id="10" name="Straight Arrow Connector 9">
+            <a:extLst>
+              <a:ext uri="{FF2B5EF4-FFF2-40B4-BE49-F238E27FC236}">
+                <a16:creationId xmlns:a16="http://schemas.microsoft.com/office/drawing/2014/main" id="{54B5FC54-3E14-3B27-DB5D-5838902A63BD}"/>
+              </a:ext>
+            </a:extLst>
+          </p:cNvPr>
+          <p:cNvCxnSpPr>
+            <a:cxnSpLocks/>
+          </p:cNvCxnSpPr>
+          <p:nvPr/>
+        </p:nvCxnSpPr>
+        <p:spPr>
+          <a:xfrm flipH="1">
+            <a:off x="8094428" y="5392309"/>
+            <a:ext cx="222635" cy="213361"/>
+          </a:xfrm>
+          <a:prstGeom prst="straightConnector1">
+            <a:avLst/>
+          </a:prstGeom>
+          <a:ln w="38100">
+            <a:solidFill>
+              <a:schemeClr val="accent2"/>
+            </a:solidFill>
+            <a:tailEnd type="triangle"/>
+          </a:ln>
+        </p:spPr>
+        <p:style>
+          <a:lnRef idx="1">
+            <a:schemeClr val="accent1"/>
+          </a:lnRef>
+          <a:fillRef idx="0">
+            <a:schemeClr val="accent1"/>
+          </a:fillRef>
+          <a:effectRef idx="0">
+            <a:schemeClr val="accent1"/>
+          </a:effectRef>
+          <a:fontRef idx="minor">
+            <a:schemeClr val="tx1"/>
+          </a:fontRef>
+        </p:style>
+      </p:cxnSp>
+    </p:spTree>
+    <p:extLst>
+      <p:ext uri="{BB962C8B-B14F-4D97-AF65-F5344CB8AC3E}">
+        <p14:creationId xmlns:p14="http://schemas.microsoft.com/office/powerpoint/2010/main" val="1016020692"/>
+      </p:ext>
+    </p:extLst>
+  </p:cSld>
+  <p:clrMapOvr>
+    <a:masterClrMapping/>
+  </p:clrMapOvr>
+</p:sld>
+</file>
+
+<file path=ppt/slides/slide11.xml><?xml version="1.0" encoding="utf-8"?>
+<p:sld xmlns:a="http://schemas.openxmlformats.org/drawingml/2006/main" xmlns:r="http://schemas.openxmlformats.org/officeDocument/2006/relationships" xmlns:p="http://schemas.openxmlformats.org/presentationml/2006/main">
+  <p:cSld>
+    <p:spTree>
+      <p:nvGrpSpPr>
+        <p:cNvPr id="1" name=""/>
+        <p:cNvGrpSpPr/>
+        <p:nvPr/>
+      </p:nvGrpSpPr>
+      <p:grpSpPr>
+        <a:xfrm>
+          <a:off x="0" y="0"/>
+          <a:ext cx="0" cy="0"/>
+          <a:chOff x="0" y="0"/>
+          <a:chExt cx="0" cy="0"/>
+        </a:xfrm>
+      </p:grpSpPr>
+      <p:sp>
+        <p:nvSpPr>
+          <p:cNvPr id="2" name="Title 1">
+            <a:extLst>
+              <a:ext uri="{FF2B5EF4-FFF2-40B4-BE49-F238E27FC236}">
+                <a16:creationId xmlns:a16="http://schemas.microsoft.com/office/drawing/2014/main" id="{43E504AB-B8C8-2B7F-BCA0-D4E6D88EADB8}"/>
+              </a:ext>
+            </a:extLst>
+          </p:cNvPr>
+          <p:cNvSpPr>
+            <a:spLocks noGrp="1"/>
+          </p:cNvSpPr>
+          <p:nvPr>
+            <p:ph type="title"/>
+          </p:nvPr>
+        </p:nvSpPr>
+        <p:spPr>
+          <a:xfrm>
+            <a:off x="838200" y="206641"/>
+            <a:ext cx="10515600" cy="1325563"/>
+          </a:xfrm>
+        </p:spPr>
+        <p:txBody>
+          <a:bodyPr/>
+          <a:lstStyle/>
+          <a:p>
+            <a:r>
+              <a:rPr lang="en-US" dirty="0"/>
+              <a:t>Inverse Dispersion?</a:t>
+            </a:r>
+            <a:br>
+              <a:rPr lang="en-US" dirty="0"/>
+            </a:br>
+            <a:r>
+              <a:rPr lang="en-US" sz="2000" dirty="0"/>
+              <a:t>I don’t see saturation and I’m surprised that I didn’t catch them earlier.</a:t>
+            </a:r>
+            <a:endParaRPr lang="en-US" dirty="0"/>
+          </a:p>
+        </p:txBody>
+      </p:sp>
+      <p:pic>
+        <p:nvPicPr>
+          <p:cNvPr id="9" name="Content Placeholder 8" descr="Diagram&#10;&#10;Description automatically generated">
+            <a:extLst>
+              <a:ext uri="{FF2B5EF4-FFF2-40B4-BE49-F238E27FC236}">
+                <a16:creationId xmlns:a16="http://schemas.microsoft.com/office/drawing/2014/main" id="{63C6DE8D-9747-1845-7130-3D2FCFBD7397}"/>
+              </a:ext>
+            </a:extLst>
+          </p:cNvPr>
+          <p:cNvPicPr>
+            <a:picLocks noGrp="1" noChangeAspect="1"/>
+          </p:cNvPicPr>
+          <p:nvPr>
+            <p:ph sz="half" idx="1"/>
+          </p:nvPr>
+        </p:nvPicPr>
+        <p:blipFill>
+          <a:blip r:embed="rId2">
+            <a:extLst>
+              <a:ext uri="{28A0092B-C50C-407E-A947-70E740481C1C}">
+                <a14:useLocalDpi xmlns:a14="http://schemas.microsoft.com/office/drawing/2010/main" val="0"/>
+              </a:ext>
+            </a:extLst>
+          </a:blip>
+          <a:stretch>
+            <a:fillRect/>
+          </a:stretch>
         </p:blipFill>
         <p:spPr>
           <a:xfrm>
@@ -3903,70 +4381,12 @@
           </a:xfrm>
         </p:spPr>
       </p:pic>
-      <p:sp>
-        <p:nvSpPr>
-          <p:cNvPr id="4" name="Date Placeholder 3">
-            <a:extLst>
-              <a:ext uri="{FF2B5EF4-FFF2-40B4-BE49-F238E27FC236}">
-                <a16:creationId xmlns:a16="http://schemas.microsoft.com/office/drawing/2014/main" id="{DFCAA49B-B086-E88F-CF92-A581491D7402}"/>
-              </a:ext>
-            </a:extLst>
-          </p:cNvPr>
-          <p:cNvSpPr>
-            <a:spLocks noGrp="1"/>
-          </p:cNvSpPr>
-          <p:nvPr>
-            <p:ph type="dt" sz="half" idx="10"/>
-          </p:nvPr>
-        </p:nvSpPr>
-        <p:spPr/>
-        <p:txBody>
-          <a:bodyPr/>
-          <a:lstStyle/>
-          <a:p>
-            <a:fld id="{A9AE0B51-B8FF-42DE-A3A4-DF64D042A72E}" type="datetime1">
-              <a:rPr lang="en-US" smtClean="0"/>
-              <a:t>1/30/2023</a:t>
-            </a:fld>
-            <a:endParaRPr lang="en-US"/>
-          </a:p>
-        </p:txBody>
-      </p:sp>
-      <p:sp>
-        <p:nvSpPr>
-          <p:cNvPr id="5" name="Slide Number Placeholder 4">
-            <a:extLst>
-              <a:ext uri="{FF2B5EF4-FFF2-40B4-BE49-F238E27FC236}">
-                <a16:creationId xmlns:a16="http://schemas.microsoft.com/office/drawing/2014/main" id="{9C49DA60-C7A7-3C94-E2D5-1A155CF5B9F6}"/>
-              </a:ext>
-            </a:extLst>
-          </p:cNvPr>
-          <p:cNvSpPr>
-            <a:spLocks noGrp="1"/>
-          </p:cNvSpPr>
-          <p:nvPr>
-            <p:ph type="sldNum" sz="quarter" idx="12"/>
-          </p:nvPr>
-        </p:nvSpPr>
-        <p:spPr/>
-        <p:txBody>
-          <a:bodyPr/>
-          <a:lstStyle/>
-          <a:p>
-            <a:fld id="{806C93F5-D892-47E2-990F-7040AF29FE32}" type="slidenum">
-              <a:rPr lang="en-US" smtClean="0"/>
-              <a:t>10</a:t>
-            </a:fld>
-            <a:endParaRPr lang="en-US"/>
-          </a:p>
-        </p:txBody>
-      </p:sp>
       <p:pic>
         <p:nvPicPr>
-          <p:cNvPr id="8" name="Content Placeholder 7" descr="Diagram&#10;&#10;Description automatically generated">
-            <a:extLst>
-              <a:ext uri="{FF2B5EF4-FFF2-40B4-BE49-F238E27FC236}">
-                <a16:creationId xmlns:a16="http://schemas.microsoft.com/office/drawing/2014/main" id="{48C9974C-CDB7-067D-F8D4-68579E660D47}"/>
+          <p:cNvPr id="11" name="Content Placeholder 10" descr="Diagram&#10;&#10;Description automatically generated">
+            <a:extLst>
+              <a:ext uri="{FF2B5EF4-FFF2-40B4-BE49-F238E27FC236}">
+                <a16:creationId xmlns:a16="http://schemas.microsoft.com/office/drawing/2014/main" id="{3AD42B89-6417-ACC9-DA59-8B9F32A621E0}"/>
               </a:ext>
             </a:extLst>
           </p:cNvPr>
@@ -3998,45 +4418,68 @@
       </p:pic>
       <p:sp>
         <p:nvSpPr>
-          <p:cNvPr id="10" name="TextBox 9">
-            <a:extLst>
-              <a:ext uri="{FF2B5EF4-FFF2-40B4-BE49-F238E27FC236}">
-                <a16:creationId xmlns:a16="http://schemas.microsoft.com/office/drawing/2014/main" id="{978078CE-5587-5975-F8A7-838AA54A0CCD}"/>
-              </a:ext>
-            </a:extLst>
-          </p:cNvPr>
-          <p:cNvSpPr txBox="1"/>
-          <p:nvPr/>
-        </p:nvSpPr>
-        <p:spPr>
-          <a:xfrm>
-            <a:off x="4659549" y="712164"/>
-            <a:ext cx="2065506" cy="461665"/>
-          </a:xfrm>
-          <a:prstGeom prst="rect">
-            <a:avLst/>
-          </a:prstGeom>
-          <a:noFill/>
-        </p:spPr>
-        <p:txBody>
-          <a:bodyPr wrap="square" rtlCol="0">
-            <a:spAutoFit/>
-          </a:bodyPr>
-          <a:lstStyle/>
-          <a:p>
-            <a:r>
-              <a:rPr lang="en-US" sz="2400" dirty="0"/>
-              <a:t>Saturation?</a:t>
-            </a:r>
+          <p:cNvPr id="4" name="Date Placeholder 3">
+            <a:extLst>
+              <a:ext uri="{FF2B5EF4-FFF2-40B4-BE49-F238E27FC236}">
+                <a16:creationId xmlns:a16="http://schemas.microsoft.com/office/drawing/2014/main" id="{DFCAA49B-B086-E88F-CF92-A581491D7402}"/>
+              </a:ext>
+            </a:extLst>
+          </p:cNvPr>
+          <p:cNvSpPr>
+            <a:spLocks noGrp="1"/>
+          </p:cNvSpPr>
+          <p:nvPr>
+            <p:ph type="dt" sz="half" idx="10"/>
+          </p:nvPr>
+        </p:nvSpPr>
+        <p:spPr/>
+        <p:txBody>
+          <a:bodyPr/>
+          <a:lstStyle/>
+          <a:p>
+            <a:fld id="{A9AE0B51-B8FF-42DE-A3A4-DF64D042A72E}" type="datetime1">
+              <a:rPr lang="en-US" smtClean="0"/>
+              <a:t>1/30/2023</a:t>
+            </a:fld>
+            <a:endParaRPr lang="en-US"/>
+          </a:p>
+        </p:txBody>
+      </p:sp>
+      <p:sp>
+        <p:nvSpPr>
+          <p:cNvPr id="5" name="Slide Number Placeholder 4">
+            <a:extLst>
+              <a:ext uri="{FF2B5EF4-FFF2-40B4-BE49-F238E27FC236}">
+                <a16:creationId xmlns:a16="http://schemas.microsoft.com/office/drawing/2014/main" id="{9C49DA60-C7A7-3C94-E2D5-1A155CF5B9F6}"/>
+              </a:ext>
+            </a:extLst>
+          </p:cNvPr>
+          <p:cNvSpPr>
+            <a:spLocks noGrp="1"/>
+          </p:cNvSpPr>
+          <p:nvPr>
+            <p:ph type="sldNum" sz="quarter" idx="12"/>
+          </p:nvPr>
+        </p:nvSpPr>
+        <p:spPr/>
+        <p:txBody>
+          <a:bodyPr/>
+          <a:lstStyle/>
+          <a:p>
+            <a:fld id="{806C93F5-D892-47E2-990F-7040AF29FE32}" type="slidenum">
+              <a:rPr lang="en-US" smtClean="0"/>
+              <a:t>11</a:t>
+            </a:fld>
+            <a:endParaRPr lang="en-US"/>
           </a:p>
         </p:txBody>
       </p:sp>
       <p:cxnSp>
         <p:nvCxnSpPr>
-          <p:cNvPr id="13" name="Straight Arrow Connector 12">
-            <a:extLst>
-              <a:ext uri="{FF2B5EF4-FFF2-40B4-BE49-F238E27FC236}">
-                <a16:creationId xmlns:a16="http://schemas.microsoft.com/office/drawing/2014/main" id="{2AFDBF78-7547-6FC3-DE7E-C04B57003D87}"/>
+          <p:cNvPr id="15" name="Straight Arrow Connector 14">
+            <a:extLst>
+              <a:ext uri="{FF2B5EF4-FFF2-40B4-BE49-F238E27FC236}">
+                <a16:creationId xmlns:a16="http://schemas.microsoft.com/office/drawing/2014/main" id="{9CD04D66-0FC5-3B39-CD90-7263B8EFF7B6}"/>
               </a:ext>
             </a:extLst>
           </p:cNvPr>
@@ -4045,8 +4488,447 @@
         </p:nvCxnSpPr>
         <p:spPr>
           <a:xfrm flipH="1">
-            <a:off x="4017523" y="1186455"/>
-            <a:ext cx="1128409" cy="1167639"/>
+            <a:off x="3753016" y="3315694"/>
+            <a:ext cx="397565" cy="113306"/>
+          </a:xfrm>
+          <a:prstGeom prst="straightConnector1">
+            <a:avLst/>
+          </a:prstGeom>
+          <a:ln w="38100">
+            <a:solidFill>
+              <a:schemeClr val="accent2"/>
+            </a:solidFill>
+            <a:tailEnd type="triangle"/>
+          </a:ln>
+        </p:spPr>
+        <p:style>
+          <a:lnRef idx="1">
+            <a:schemeClr val="accent1"/>
+          </a:lnRef>
+          <a:fillRef idx="0">
+            <a:schemeClr val="accent1"/>
+          </a:fillRef>
+          <a:effectRef idx="0">
+            <a:schemeClr val="accent1"/>
+          </a:effectRef>
+          <a:fontRef idx="minor">
+            <a:schemeClr val="tx1"/>
+          </a:fontRef>
+        </p:style>
+      </p:cxnSp>
+      <p:cxnSp>
+        <p:nvCxnSpPr>
+          <p:cNvPr id="16" name="Straight Arrow Connector 15">
+            <a:extLst>
+              <a:ext uri="{FF2B5EF4-FFF2-40B4-BE49-F238E27FC236}">
+                <a16:creationId xmlns:a16="http://schemas.microsoft.com/office/drawing/2014/main" id="{AED5492B-C0AE-BD4C-5389-EAD5E923F658}"/>
+              </a:ext>
+            </a:extLst>
+          </p:cNvPr>
+          <p:cNvCxnSpPr/>
+          <p:nvPr/>
+        </p:nvCxnSpPr>
+        <p:spPr>
+          <a:xfrm flipH="1">
+            <a:off x="3753016" y="4063054"/>
+            <a:ext cx="397565" cy="113306"/>
+          </a:xfrm>
+          <a:prstGeom prst="straightConnector1">
+            <a:avLst/>
+          </a:prstGeom>
+          <a:ln w="38100">
+            <a:solidFill>
+              <a:schemeClr val="accent2"/>
+            </a:solidFill>
+            <a:tailEnd type="triangle"/>
+          </a:ln>
+        </p:spPr>
+        <p:style>
+          <a:lnRef idx="1">
+            <a:schemeClr val="accent1"/>
+          </a:lnRef>
+          <a:fillRef idx="0">
+            <a:schemeClr val="accent1"/>
+          </a:fillRef>
+          <a:effectRef idx="0">
+            <a:schemeClr val="accent1"/>
+          </a:effectRef>
+          <a:fontRef idx="minor">
+            <a:schemeClr val="tx1"/>
+          </a:fontRef>
+        </p:style>
+      </p:cxnSp>
+      <p:cxnSp>
+        <p:nvCxnSpPr>
+          <p:cNvPr id="17" name="Straight Arrow Connector 16">
+            <a:extLst>
+              <a:ext uri="{FF2B5EF4-FFF2-40B4-BE49-F238E27FC236}">
+                <a16:creationId xmlns:a16="http://schemas.microsoft.com/office/drawing/2014/main" id="{03B794CD-9E51-7241-64AD-256D62BE957C}"/>
+              </a:ext>
+            </a:extLst>
+          </p:cNvPr>
+          <p:cNvCxnSpPr/>
+          <p:nvPr/>
+        </p:nvCxnSpPr>
+        <p:spPr>
+          <a:xfrm flipH="1">
+            <a:off x="3810001" y="4940700"/>
+            <a:ext cx="397565" cy="113306"/>
+          </a:xfrm>
+          <a:prstGeom prst="straightConnector1">
+            <a:avLst/>
+          </a:prstGeom>
+          <a:ln w="38100">
+            <a:solidFill>
+              <a:schemeClr val="accent2"/>
+            </a:solidFill>
+            <a:tailEnd type="triangle"/>
+          </a:ln>
+        </p:spPr>
+        <p:style>
+          <a:lnRef idx="1">
+            <a:schemeClr val="accent1"/>
+          </a:lnRef>
+          <a:fillRef idx="0">
+            <a:schemeClr val="accent1"/>
+          </a:fillRef>
+          <a:effectRef idx="0">
+            <a:schemeClr val="accent1"/>
+          </a:effectRef>
+          <a:fontRef idx="minor">
+            <a:schemeClr val="tx1"/>
+          </a:fontRef>
+        </p:style>
+      </p:cxnSp>
+      <p:cxnSp>
+        <p:nvCxnSpPr>
+          <p:cNvPr id="18" name="Straight Arrow Connector 17">
+            <a:extLst>
+              <a:ext uri="{FF2B5EF4-FFF2-40B4-BE49-F238E27FC236}">
+                <a16:creationId xmlns:a16="http://schemas.microsoft.com/office/drawing/2014/main" id="{DC65A486-A31E-F1EF-80CC-8E526BECB0A7}"/>
+              </a:ext>
+            </a:extLst>
+          </p:cNvPr>
+          <p:cNvCxnSpPr/>
+          <p:nvPr/>
+        </p:nvCxnSpPr>
+        <p:spPr>
+          <a:xfrm flipH="1">
+            <a:off x="9226165" y="4066891"/>
+            <a:ext cx="397565" cy="113306"/>
+          </a:xfrm>
+          <a:prstGeom prst="straightConnector1">
+            <a:avLst/>
+          </a:prstGeom>
+          <a:ln w="38100">
+            <a:solidFill>
+              <a:schemeClr val="accent2"/>
+            </a:solidFill>
+            <a:tailEnd type="triangle"/>
+          </a:ln>
+        </p:spPr>
+        <p:style>
+          <a:lnRef idx="1">
+            <a:schemeClr val="accent1"/>
+          </a:lnRef>
+          <a:fillRef idx="0">
+            <a:schemeClr val="accent1"/>
+          </a:fillRef>
+          <a:effectRef idx="0">
+            <a:schemeClr val="accent1"/>
+          </a:effectRef>
+          <a:fontRef idx="minor">
+            <a:schemeClr val="tx1"/>
+          </a:fontRef>
+        </p:style>
+      </p:cxnSp>
+      <p:cxnSp>
+        <p:nvCxnSpPr>
+          <p:cNvPr id="19" name="Straight Arrow Connector 18">
+            <a:extLst>
+              <a:ext uri="{FF2B5EF4-FFF2-40B4-BE49-F238E27FC236}">
+                <a16:creationId xmlns:a16="http://schemas.microsoft.com/office/drawing/2014/main" id="{C2EAEE3C-32C3-B7E4-CBC9-55A92E336CF8}"/>
+              </a:ext>
+            </a:extLst>
+          </p:cNvPr>
+          <p:cNvCxnSpPr/>
+          <p:nvPr/>
+        </p:nvCxnSpPr>
+        <p:spPr>
+          <a:xfrm flipH="1">
+            <a:off x="9195686" y="4827394"/>
+            <a:ext cx="397565" cy="113306"/>
+          </a:xfrm>
+          <a:prstGeom prst="straightConnector1">
+            <a:avLst/>
+          </a:prstGeom>
+          <a:ln w="38100">
+            <a:solidFill>
+              <a:schemeClr val="accent2"/>
+            </a:solidFill>
+            <a:tailEnd type="triangle"/>
+          </a:ln>
+        </p:spPr>
+        <p:style>
+          <a:lnRef idx="1">
+            <a:schemeClr val="accent1"/>
+          </a:lnRef>
+          <a:fillRef idx="0">
+            <a:schemeClr val="accent1"/>
+          </a:fillRef>
+          <a:effectRef idx="0">
+            <a:schemeClr val="accent1"/>
+          </a:effectRef>
+          <a:fontRef idx="minor">
+            <a:schemeClr val="tx1"/>
+          </a:fontRef>
+        </p:style>
+      </p:cxnSp>
+    </p:spTree>
+    <p:extLst>
+      <p:ext uri="{BB962C8B-B14F-4D97-AF65-F5344CB8AC3E}">
+        <p14:creationId xmlns:p14="http://schemas.microsoft.com/office/powerpoint/2010/main" val="3880597601"/>
+      </p:ext>
+    </p:extLst>
+  </p:cSld>
+  <p:clrMapOvr>
+    <a:masterClrMapping/>
+  </p:clrMapOvr>
+</p:sld>
+</file>
+
+<file path=ppt/slides/slide12.xml><?xml version="1.0" encoding="utf-8"?>
+<p:sld xmlns:a="http://schemas.openxmlformats.org/drawingml/2006/main" xmlns:r="http://schemas.openxmlformats.org/officeDocument/2006/relationships" xmlns:p="http://schemas.openxmlformats.org/presentationml/2006/main">
+  <p:cSld>
+    <p:spTree>
+      <p:nvGrpSpPr>
+        <p:cNvPr id="1" name=""/>
+        <p:cNvGrpSpPr/>
+        <p:nvPr/>
+      </p:nvGrpSpPr>
+      <p:grpSpPr>
+        <a:xfrm>
+          <a:off x="0" y="0"/>
+          <a:ext cx="0" cy="0"/>
+          <a:chOff x="0" y="0"/>
+          <a:chExt cx="0" cy="0"/>
+        </a:xfrm>
+      </p:grpSpPr>
+      <p:sp>
+        <p:nvSpPr>
+          <p:cNvPr id="2" name="Title 1">
+            <a:extLst>
+              <a:ext uri="{FF2B5EF4-FFF2-40B4-BE49-F238E27FC236}">
+                <a16:creationId xmlns:a16="http://schemas.microsoft.com/office/drawing/2014/main" id="{43E504AB-B8C8-2B7F-BCA0-D4E6D88EADB8}"/>
+              </a:ext>
+            </a:extLst>
+          </p:cNvPr>
+          <p:cNvSpPr>
+            <a:spLocks noGrp="1"/>
+          </p:cNvSpPr>
+          <p:nvPr>
+            <p:ph type="title"/>
+          </p:nvPr>
+        </p:nvSpPr>
+        <p:spPr/>
+        <p:txBody>
+          <a:bodyPr/>
+          <a:lstStyle/>
+          <a:p>
+            <a:r>
+              <a:rPr lang="en-US" dirty="0"/>
+              <a:t>Dispersion?</a:t>
+            </a:r>
+          </a:p>
+        </p:txBody>
+      </p:sp>
+      <p:pic>
+        <p:nvPicPr>
+          <p:cNvPr id="9" name="Content Placeholder 8">
+            <a:extLst>
+              <a:ext uri="{FF2B5EF4-FFF2-40B4-BE49-F238E27FC236}">
+                <a16:creationId xmlns:a16="http://schemas.microsoft.com/office/drawing/2014/main" id="{63C6DE8D-9747-1845-7130-3D2FCFBD7397}"/>
+              </a:ext>
+            </a:extLst>
+          </p:cNvPr>
+          <p:cNvPicPr>
+            <a:picLocks noGrp="1" noChangeAspect="1"/>
+          </p:cNvPicPr>
+          <p:nvPr>
+            <p:ph sz="half" idx="1"/>
+          </p:nvPr>
+        </p:nvPicPr>
+        <p:blipFill>
+          <a:blip r:embed="rId2">
+            <a:extLst>
+              <a:ext uri="{28A0092B-C50C-407E-A947-70E740481C1C}">
+                <a14:useLocalDpi xmlns:a14="http://schemas.microsoft.com/office/drawing/2010/main" val="0"/>
+              </a:ext>
+            </a:extLst>
+          </a:blip>
+          <a:srcRect/>
+          <a:stretch/>
+        </p:blipFill>
+        <p:spPr>
+          <a:xfrm>
+            <a:off x="1391055" y="1453862"/>
+            <a:ext cx="4075890" cy="5094864"/>
+          </a:xfrm>
+        </p:spPr>
+      </p:pic>
+      <p:sp>
+        <p:nvSpPr>
+          <p:cNvPr id="4" name="Date Placeholder 3">
+            <a:extLst>
+              <a:ext uri="{FF2B5EF4-FFF2-40B4-BE49-F238E27FC236}">
+                <a16:creationId xmlns:a16="http://schemas.microsoft.com/office/drawing/2014/main" id="{DFCAA49B-B086-E88F-CF92-A581491D7402}"/>
+              </a:ext>
+            </a:extLst>
+          </p:cNvPr>
+          <p:cNvSpPr>
+            <a:spLocks noGrp="1"/>
+          </p:cNvSpPr>
+          <p:nvPr>
+            <p:ph type="dt" sz="half" idx="10"/>
+          </p:nvPr>
+        </p:nvSpPr>
+        <p:spPr/>
+        <p:txBody>
+          <a:bodyPr/>
+          <a:lstStyle/>
+          <a:p>
+            <a:fld id="{A9AE0B51-B8FF-42DE-A3A4-DF64D042A72E}" type="datetime1">
+              <a:rPr lang="en-US" smtClean="0"/>
+              <a:t>1/30/2023</a:t>
+            </a:fld>
+            <a:endParaRPr lang="en-US"/>
+          </a:p>
+        </p:txBody>
+      </p:sp>
+      <p:sp>
+        <p:nvSpPr>
+          <p:cNvPr id="5" name="Slide Number Placeholder 4">
+            <a:extLst>
+              <a:ext uri="{FF2B5EF4-FFF2-40B4-BE49-F238E27FC236}">
+                <a16:creationId xmlns:a16="http://schemas.microsoft.com/office/drawing/2014/main" id="{9C49DA60-C7A7-3C94-E2D5-1A155CF5B9F6}"/>
+              </a:ext>
+            </a:extLst>
+          </p:cNvPr>
+          <p:cNvSpPr>
+            <a:spLocks noGrp="1"/>
+          </p:cNvSpPr>
+          <p:nvPr>
+            <p:ph type="sldNum" sz="quarter" idx="12"/>
+          </p:nvPr>
+        </p:nvSpPr>
+        <p:spPr/>
+        <p:txBody>
+          <a:bodyPr/>
+          <a:lstStyle/>
+          <a:p>
+            <a:fld id="{806C93F5-D892-47E2-990F-7040AF29FE32}" type="slidenum">
+              <a:rPr lang="en-US" smtClean="0"/>
+              <a:t>12</a:t>
+            </a:fld>
+            <a:endParaRPr lang="en-US"/>
+          </a:p>
+        </p:txBody>
+      </p:sp>
+      <p:pic>
+        <p:nvPicPr>
+          <p:cNvPr id="8" name="Content Placeholder 7" descr="Diagram&#10;&#10;Description automatically generated">
+            <a:extLst>
+              <a:ext uri="{FF2B5EF4-FFF2-40B4-BE49-F238E27FC236}">
+                <a16:creationId xmlns:a16="http://schemas.microsoft.com/office/drawing/2014/main" id="{48C9974C-CDB7-067D-F8D4-68579E660D47}"/>
+              </a:ext>
+            </a:extLst>
+          </p:cNvPr>
+          <p:cNvPicPr>
+            <a:picLocks noGrp="1" noChangeAspect="1"/>
+          </p:cNvPicPr>
+          <p:nvPr>
+            <p:ph sz="half" idx="2"/>
+          </p:nvPr>
+        </p:nvPicPr>
+        <p:blipFill>
+          <a:blip r:embed="rId3">
+            <a:extLst>
+              <a:ext uri="{28A0092B-C50C-407E-A947-70E740481C1C}">
+                <a14:useLocalDpi xmlns:a14="http://schemas.microsoft.com/office/drawing/2010/main" val="0"/>
+              </a:ext>
+            </a:extLst>
+          </a:blip>
+          <a:stretch>
+            <a:fillRect/>
+          </a:stretch>
+        </p:blipFill>
+        <p:spPr>
+          <a:xfrm>
+            <a:off x="6725055" y="1453862"/>
+            <a:ext cx="4075890" cy="5094864"/>
+          </a:xfrm>
+        </p:spPr>
+      </p:pic>
+      <p:sp>
+        <p:nvSpPr>
+          <p:cNvPr id="10" name="TextBox 9">
+            <a:extLst>
+              <a:ext uri="{FF2B5EF4-FFF2-40B4-BE49-F238E27FC236}">
+                <a16:creationId xmlns:a16="http://schemas.microsoft.com/office/drawing/2014/main" id="{978078CE-5587-5975-F8A7-838AA54A0CCD}"/>
+              </a:ext>
+            </a:extLst>
+          </p:cNvPr>
+          <p:cNvSpPr txBox="1"/>
+          <p:nvPr/>
+        </p:nvSpPr>
+        <p:spPr>
+          <a:xfrm>
+            <a:off x="4659549" y="126951"/>
+            <a:ext cx="2065506" cy="2308324"/>
+          </a:xfrm>
+          <a:prstGeom prst="rect">
+            <a:avLst/>
+          </a:prstGeom>
+          <a:solidFill>
+            <a:schemeClr val="accent2"/>
+          </a:solidFill>
+          <a:ln>
+            <a:solidFill>
+              <a:schemeClr val="tx1"/>
+            </a:solidFill>
+          </a:ln>
+        </p:spPr>
+        <p:txBody>
+          <a:bodyPr wrap="square" rtlCol="0">
+            <a:spAutoFit/>
+          </a:bodyPr>
+          <a:lstStyle/>
+          <a:p>
+            <a:r>
+              <a:rPr lang="en-US" sz="2400" dirty="0"/>
+              <a:t>Saturation? Lower energy channels dip right as the higher energy channel peaks. </a:t>
+            </a:r>
+          </a:p>
+        </p:txBody>
+      </p:sp>
+      <p:cxnSp>
+        <p:nvCxnSpPr>
+          <p:cNvPr id="13" name="Straight Arrow Connector 12">
+            <a:extLst>
+              <a:ext uri="{FF2B5EF4-FFF2-40B4-BE49-F238E27FC236}">
+                <a16:creationId xmlns:a16="http://schemas.microsoft.com/office/drawing/2014/main" id="{2AFDBF78-7547-6FC3-DE7E-C04B57003D87}"/>
+              </a:ext>
+            </a:extLst>
+          </p:cNvPr>
+          <p:cNvCxnSpPr>
+            <a:cxnSpLocks/>
+          </p:cNvCxnSpPr>
+          <p:nvPr/>
+        </p:nvCxnSpPr>
+        <p:spPr>
+          <a:xfrm flipH="1">
+            <a:off x="4017523" y="1804946"/>
+            <a:ext cx="626874" cy="549148"/>
           </a:xfrm>
           <a:prstGeom prst="straightConnector1">
             <a:avLst/>
@@ -4159,7 +5041,7 @@
 </p:sld>
 </file>
 
-<file path=ppt/slides/slide11.xml><?xml version="1.0" encoding="utf-8"?>
+<file path=ppt/slides/slide13.xml><?xml version="1.0" encoding="utf-8"?>
 <p:sld xmlns:a="http://schemas.openxmlformats.org/drawingml/2006/main" xmlns:r="http://schemas.openxmlformats.org/officeDocument/2006/relationships" xmlns:p="http://schemas.openxmlformats.org/presentationml/2006/main">
   <p:cSld>
     <p:spTree>
@@ -4220,9 +5102,16 @@
             <p:ph idx="1"/>
           </p:nvPr>
         </p:nvSpPr>
-        <p:spPr/>
-        <p:txBody>
-          <a:bodyPr/>
+        <p:spPr>
+          <a:xfrm>
+            <a:off x="838200" y="1502797"/>
+            <a:ext cx="10515600" cy="4674166"/>
+          </a:xfrm>
+        </p:spPr>
+        <p:txBody>
+          <a:bodyPr>
+            <a:normAutofit fontScale="92500"/>
+          </a:bodyPr>
           <a:lstStyle/>
           <a:p>
             <a:r>
@@ -4289,6 +5178,40 @@
             <a:r>
               <a:rPr lang="en-US" dirty="0"/>
               <a:t>Maybe could try this using the BARREL data?</a:t>
+            </a:r>
+          </a:p>
+          <a:p>
+            <a:r>
+              <a:rPr lang="en-US" dirty="0"/>
+              <a:t>This presentation and code is on </a:t>
+            </a:r>
+            <a:r>
+              <a:rPr lang="en-US" dirty="0" err="1"/>
+              <a:t>github</a:t>
+            </a:r>
+            <a:r>
+              <a:rPr lang="en-US" dirty="0"/>
+              <a:t>: </a:t>
+            </a:r>
+            <a:r>
+              <a:rPr lang="en-US" dirty="0">
+                <a:hlinkClick r:id="rId2"/>
+              </a:rPr>
+              <a:t>https://github.com/mshumko/fbrbsp/tree/main/fbrbsp/microburst_duration</a:t>
+            </a:r>
+            <a:r>
+              <a:rPr lang="en-US" dirty="0"/>
+              <a:t> &amp; </a:t>
+            </a:r>
+            <a:r>
+              <a:rPr lang="en-US" dirty="0">
+                <a:hlinkClick r:id="rId3"/>
+              </a:rPr>
+              <a:t>https://github.com/mshumko/fbrbsp/tree/main/presentations</a:t>
+            </a:r>
+            <a:r>
+              <a:rPr lang="en-US" dirty="0"/>
+              <a:t> </a:t>
             </a:r>
           </a:p>
         </p:txBody>
@@ -4345,7 +5268,7 @@
           <a:p>
             <a:fld id="{806C93F5-D892-47E2-990F-7040AF29FE32}" type="slidenum">
               <a:rPr lang="en-US" smtClean="0"/>
-              <a:t>11</a:t>
+              <a:t>13</a:t>
             </a:fld>
             <a:endParaRPr lang="en-US"/>
           </a:p>
@@ -4877,7 +5800,9 @@
           </a:xfrm>
         </p:spPr>
         <p:txBody>
-          <a:bodyPr/>
+          <a:bodyPr>
+            <a:normAutofit fontScale="92500" lnSpcReduction="10000"/>
+          </a:bodyPr>
           <a:lstStyle/>
           <a:p>
             <a:r>
@@ -4895,6 +5820,18 @@
             <a:r>
               <a:rPr lang="en-US" dirty="0"/>
               <a:t>shows that the duration of the increased microburst flux has an energy dependence.</a:t>
+            </a:r>
+          </a:p>
+          <a:p>
+            <a:r>
+              <a:rPr lang="en-US" dirty="0"/>
+              <a:t>Our hypothesis: microburst duration decreases for &gt; 100 keV microbursts</a:t>
+            </a:r>
+          </a:p>
+          <a:p>
+            <a:r>
+              <a:rPr lang="en-US" dirty="0"/>
+              <a:t>Will we see this in the FIREBIRD-II data?</a:t>
             </a:r>
           </a:p>
         </p:txBody>
@@ -5068,7 +6005,9 @@
         </p:nvSpPr>
         <p:spPr/>
         <p:txBody>
-          <a:bodyPr/>
+          <a:bodyPr>
+            <a:normAutofit lnSpcReduction="10000"/>
+          </a:bodyPr>
           <a:lstStyle/>
           <a:p>
             <a:r>
@@ -5103,6 +6042,22 @@
               <a:t>ms.</a:t>
             </a:r>
             <a:endParaRPr lang="en-US" dirty="0"/>
+          </a:p>
+          <a:p>
+            <a:r>
+              <a:rPr lang="en-US" dirty="0"/>
+              <a:t>See </a:t>
+            </a:r>
+            <a:r>
+              <a:rPr lang="en-US" dirty="0">
+                <a:hlinkClick r:id="rId2"/>
+              </a:rPr>
+              <a:t>Johnson et al., (2020)</a:t>
+            </a:r>
+            <a:r>
+              <a:rPr lang="en-US" dirty="0"/>
+              <a:t> paper for more information</a:t>
+            </a:r>
           </a:p>
         </p:txBody>
       </p:sp>
@@ -5123,7 +6078,7 @@
           </p:nvPr>
         </p:nvPicPr>
         <p:blipFill rotWithShape="1">
-          <a:blip r:embed="rId2">
+          <a:blip r:embed="rId3">
             <a:extLst>
               <a:ext uri="{28A0092B-C50C-407E-A947-70E740481C1C}">
                 <a14:useLocalDpi xmlns:a14="http://schemas.microsoft.com/office/drawing/2010/main" val="0"/>
@@ -5916,7 +6871,7 @@
           <p:cNvPr id="2" name="Title 1">
             <a:extLst>
               <a:ext uri="{FF2B5EF4-FFF2-40B4-BE49-F238E27FC236}">
-                <a16:creationId xmlns:a16="http://schemas.microsoft.com/office/drawing/2014/main" id="{9FF354BE-2238-39F8-805E-C3A974043629}"/>
+                <a16:creationId xmlns:a16="http://schemas.microsoft.com/office/drawing/2014/main" id="{EBFE34BE-D888-10A8-AA29-49FCB7303F4E}"/>
               </a:ext>
             </a:extLst>
           </p:cNvPr>
@@ -5927,29 +6882,94 @@
             <p:ph type="title"/>
           </p:nvPr>
         </p:nvSpPr>
+        <p:spPr/>
+        <p:txBody>
+          <a:bodyPr/>
+          <a:lstStyle/>
+          <a:p>
+            <a:r>
+              <a:rPr lang="en-US" dirty="0"/>
+              <a:t>Bad fits</a:t>
+            </a:r>
+          </a:p>
+        </p:txBody>
+      </p:sp>
+      <p:pic>
+        <p:nvPicPr>
+          <p:cNvPr id="8" name="Content Placeholder 7" descr="Diagram&#10;&#10;Description automatically generated">
+            <a:extLst>
+              <a:ext uri="{FF2B5EF4-FFF2-40B4-BE49-F238E27FC236}">
+                <a16:creationId xmlns:a16="http://schemas.microsoft.com/office/drawing/2014/main" id="{76820DD0-34AF-C8C7-7404-5EDC444C21B9}"/>
+              </a:ext>
+            </a:extLst>
+          </p:cNvPr>
+          <p:cNvPicPr>
+            <a:picLocks noGrp="1" noChangeAspect="1"/>
+          </p:cNvPicPr>
+          <p:nvPr>
+            <p:ph sz="half" idx="1"/>
+          </p:nvPr>
+        </p:nvPicPr>
+        <p:blipFill>
+          <a:blip r:embed="rId2">
+            <a:extLst>
+              <a:ext uri="{28A0092B-C50C-407E-A947-70E740481C1C}">
+                <a14:useLocalDpi xmlns:a14="http://schemas.microsoft.com/office/drawing/2010/main" val="0"/>
+              </a:ext>
+            </a:extLst>
+          </a:blip>
+          <a:stretch>
+            <a:fillRect/>
+          </a:stretch>
+        </p:blipFill>
         <p:spPr>
           <a:xfrm>
-            <a:off x="505838" y="365125"/>
-            <a:ext cx="5590162" cy="2125156"/>
+            <a:off x="1425605" y="1249294"/>
+            <a:ext cx="4085644" cy="5107056"/>
           </a:xfrm>
         </p:spPr>
-        <p:txBody>
-          <a:bodyPr/>
-          <a:lstStyle/>
-          <a:p>
-            <a:r>
-              <a:rPr lang="en-US" dirty="0"/>
-              <a:t>Microburst Durations v0</a:t>
-            </a:r>
-          </a:p>
-        </p:txBody>
-      </p:sp>
-      <p:sp>
-        <p:nvSpPr>
-          <p:cNvPr id="4" name="Date Placeholder 3">
-            <a:extLst>
-              <a:ext uri="{FF2B5EF4-FFF2-40B4-BE49-F238E27FC236}">
-                <a16:creationId xmlns:a16="http://schemas.microsoft.com/office/drawing/2014/main" id="{90302BC9-54FA-E889-D491-38AA529EDE96}"/>
+      </p:pic>
+      <p:pic>
+        <p:nvPicPr>
+          <p:cNvPr id="10" name="Content Placeholder 9" descr="Diagram&#10;&#10;Description automatically generated">
+            <a:extLst>
+              <a:ext uri="{FF2B5EF4-FFF2-40B4-BE49-F238E27FC236}">
+                <a16:creationId xmlns:a16="http://schemas.microsoft.com/office/drawing/2014/main" id="{094D9C38-CE7F-D457-B4C7-684417DEC53F}"/>
+              </a:ext>
+            </a:extLst>
+          </p:cNvPr>
+          <p:cNvPicPr>
+            <a:picLocks noGrp="1" noChangeAspect="1"/>
+          </p:cNvPicPr>
+          <p:nvPr>
+            <p:ph sz="half" idx="2"/>
+          </p:nvPr>
+        </p:nvPicPr>
+        <p:blipFill>
+          <a:blip r:embed="rId3">
+            <a:extLst>
+              <a:ext uri="{28A0092B-C50C-407E-A947-70E740481C1C}">
+                <a14:useLocalDpi xmlns:a14="http://schemas.microsoft.com/office/drawing/2010/main" val="0"/>
+              </a:ext>
+            </a:extLst>
+          </a:blip>
+          <a:stretch>
+            <a:fillRect/>
+          </a:stretch>
+        </p:blipFill>
+        <p:spPr>
+          <a:xfrm>
+            <a:off x="6567778" y="1249294"/>
+            <a:ext cx="4085644" cy="5107056"/>
+          </a:xfrm>
+        </p:spPr>
+      </p:pic>
+      <p:sp>
+        <p:nvSpPr>
+          <p:cNvPr id="5" name="Date Placeholder 4">
+            <a:extLst>
+              <a:ext uri="{FF2B5EF4-FFF2-40B4-BE49-F238E27FC236}">
+                <a16:creationId xmlns:a16="http://schemas.microsoft.com/office/drawing/2014/main" id="{F351E5B7-4DA9-66C6-A501-895801AEFE82}"/>
               </a:ext>
             </a:extLst>
           </p:cNvPr>
@@ -5965,7 +6985,7 @@
           <a:bodyPr/>
           <a:lstStyle/>
           <a:p>
-            <a:fld id="{A9AE0B51-B8FF-42DE-A3A4-DF64D042A72E}" type="datetime1">
+            <a:fld id="{232BBD42-AF4D-40D9-B762-3A65569D7EBC}" type="datetime1">
               <a:rPr lang="en-US" smtClean="0"/>
               <a:t>1/30/2023</a:t>
             </a:fld>
@@ -5975,10 +6995,10 @@
       </p:sp>
       <p:sp>
         <p:nvSpPr>
-          <p:cNvPr id="5" name="Slide Number Placeholder 4">
-            <a:extLst>
-              <a:ext uri="{FF2B5EF4-FFF2-40B4-BE49-F238E27FC236}">
-                <a16:creationId xmlns:a16="http://schemas.microsoft.com/office/drawing/2014/main" id="{3A0C4010-33C8-6492-6CF0-014BC4C3806F}"/>
+          <p:cNvPr id="6" name="Slide Number Placeholder 5">
+            <a:extLst>
+              <a:ext uri="{FF2B5EF4-FFF2-40B4-BE49-F238E27FC236}">
+                <a16:creationId xmlns:a16="http://schemas.microsoft.com/office/drawing/2014/main" id="{65E42E35-7080-828D-6BC4-2689A7BDAD5C}"/>
               </a:ext>
             </a:extLst>
           </p:cNvPr>
@@ -6002,181 +7022,10 @@
           </a:p>
         </p:txBody>
       </p:sp>
-      <p:pic>
-        <p:nvPicPr>
-          <p:cNvPr id="11" name="Content Placeholder 10">
-            <a:extLst>
-              <a:ext uri="{FF2B5EF4-FFF2-40B4-BE49-F238E27FC236}">
-                <a16:creationId xmlns:a16="http://schemas.microsoft.com/office/drawing/2014/main" id="{2E8A1B65-4A77-DD84-5668-E9AA4171DB77}"/>
-              </a:ext>
-            </a:extLst>
-          </p:cNvPr>
-          <p:cNvPicPr>
-            <a:picLocks noGrp="1" noChangeAspect="1"/>
-          </p:cNvPicPr>
-          <p:nvPr>
-            <p:ph idx="1"/>
-          </p:nvPr>
-        </p:nvPicPr>
-        <p:blipFill>
-          <a:blip r:embed="rId2">
-            <a:extLst>
-              <a:ext uri="{28A0092B-C50C-407E-A947-70E740481C1C}">
-                <a14:useLocalDpi xmlns:a14="http://schemas.microsoft.com/office/drawing/2010/main" val="0"/>
-              </a:ext>
-            </a:extLst>
-          </a:blip>
-          <a:srcRect/>
-          <a:stretch/>
-        </p:blipFill>
-        <p:spPr>
-          <a:xfrm>
-            <a:off x="6558119" y="86566"/>
-            <a:ext cx="4442481" cy="6515640"/>
-          </a:xfrm>
-        </p:spPr>
-      </p:pic>
-      <p:sp>
-        <p:nvSpPr>
-          <p:cNvPr id="12" name="TextBox 11">
-            <a:extLst>
-              <a:ext uri="{FF2B5EF4-FFF2-40B4-BE49-F238E27FC236}">
-                <a16:creationId xmlns:a16="http://schemas.microsoft.com/office/drawing/2014/main" id="{06A4B53F-5ED1-6D37-1882-9DF74C978B5A}"/>
-              </a:ext>
-            </a:extLst>
-          </p:cNvPr>
-          <p:cNvSpPr txBox="1"/>
-          <p:nvPr/>
-        </p:nvSpPr>
-        <p:spPr>
-          <a:xfrm>
-            <a:off x="272374" y="2276272"/>
-            <a:ext cx="5590162" cy="3139321"/>
-          </a:xfrm>
-          <a:prstGeom prst="rect">
-            <a:avLst/>
-          </a:prstGeom>
-          <a:noFill/>
-        </p:spPr>
-        <p:txBody>
-          <a:bodyPr wrap="square" rtlCol="0">
-            <a:spAutoFit/>
-          </a:bodyPr>
-          <a:lstStyle/>
-          <a:p>
-            <a:pPr marL="285750" indent="-285750">
-              <a:buFont typeface="Arial" panose="020B0604020202020204" pitchFamily="34" charset="0"/>
-              <a:buChar char="•"/>
-            </a:pPr>
-            <a:r>
-              <a:rPr lang="en-US" dirty="0"/>
-              <a:t>Fit to a Gaussian with a linear trend with a 300-ms fit width.</a:t>
-            </a:r>
-          </a:p>
-          <a:p>
-            <a:pPr marL="285750" indent="-285750">
-              <a:buFont typeface="Arial" panose="020B0604020202020204" pitchFamily="34" charset="0"/>
-              <a:buChar char="•"/>
-            </a:pPr>
-            <a:r>
-              <a:rPr lang="en-US" dirty="0"/>
-              <a:t>Initial microburst width guess is 100 </a:t>
-            </a:r>
-            <a:r>
-              <a:rPr lang="en-US" dirty="0" err="1"/>
-              <a:t>ms.</a:t>
-            </a:r>
-            <a:endParaRPr lang="en-US" dirty="0"/>
-          </a:p>
-          <a:p>
-            <a:pPr marL="285750" indent="-285750">
-              <a:buFont typeface="Arial" panose="020B0604020202020204" pitchFamily="34" charset="0"/>
-              <a:buChar char="•"/>
-            </a:pPr>
-            <a:r>
-              <a:rPr lang="en-US" dirty="0"/>
-              <a:t>1768 microbursts fit (fit converged)</a:t>
-            </a:r>
-          </a:p>
-          <a:p>
-            <a:pPr marL="285750" indent="-285750">
-              <a:buFont typeface="Arial" panose="020B0604020202020204" pitchFamily="34" charset="0"/>
-              <a:buChar char="•"/>
-            </a:pPr>
-            <a:r>
-              <a:rPr lang="en-US" dirty="0"/>
-              <a:t>6446 microbursts were not fit because</a:t>
-            </a:r>
-          </a:p>
-          <a:p>
-            <a:pPr marL="742950" lvl="1" indent="-285750">
-              <a:buFont typeface="Arial" panose="020B0604020202020204" pitchFamily="34" charset="0"/>
-              <a:buChar char="•"/>
-            </a:pPr>
-            <a:r>
-              <a:rPr lang="en-US" dirty="0"/>
-              <a:t>The </a:t>
-            </a:r>
-            <a:r>
-              <a:rPr lang="en-US" dirty="0" err="1"/>
-              <a:t>HiRes</a:t>
-            </a:r>
-            <a:r>
-              <a:rPr lang="en-US" dirty="0"/>
-              <a:t> cadence was 50 </a:t>
-            </a:r>
-            <a:r>
-              <a:rPr lang="en-US" dirty="0" err="1"/>
-              <a:t>ms</a:t>
-            </a:r>
-            <a:r>
-              <a:rPr lang="en-US" dirty="0"/>
-              <a:t>, or</a:t>
-            </a:r>
-          </a:p>
-          <a:p>
-            <a:pPr marL="742950" lvl="1" indent="-285750">
-              <a:buFont typeface="Arial" panose="020B0604020202020204" pitchFamily="34" charset="0"/>
-              <a:buChar char="•"/>
-            </a:pPr>
-            <a:r>
-              <a:rPr lang="en-US" dirty="0"/>
-              <a:t>The fit did not converge</a:t>
-            </a:r>
-          </a:p>
-          <a:p>
-            <a:pPr marL="742950" lvl="1" indent="-285750">
-              <a:buFont typeface="Arial" panose="020B0604020202020204" pitchFamily="34" charset="0"/>
-              <a:buChar char="•"/>
-            </a:pPr>
-            <a:r>
-              <a:rPr lang="en-US" dirty="0"/>
-              <a:t>(I did not track the category)</a:t>
-            </a:r>
-          </a:p>
-          <a:p>
-            <a:pPr marL="285750" indent="-285750">
-              <a:buFont typeface="Arial" panose="020B0604020202020204" pitchFamily="34" charset="0"/>
-              <a:buChar char="•"/>
-            </a:pPr>
-            <a:r>
-              <a:rPr lang="en-US" dirty="0"/>
-              <a:t>Used only microbursts with adjusted R^2 &gt; 0.9 for the distribution.</a:t>
-            </a:r>
-          </a:p>
-          <a:p>
-            <a:pPr marL="285750" indent="-285750">
-              <a:buFont typeface="Arial" panose="020B0604020202020204" pitchFamily="34" charset="0"/>
-              <a:buChar char="•"/>
-            </a:pPr>
-            <a:endParaRPr lang="en-US" dirty="0"/>
-          </a:p>
-        </p:txBody>
-      </p:sp>
     </p:spTree>
     <p:extLst>
       <p:ext uri="{BB962C8B-B14F-4D97-AF65-F5344CB8AC3E}">
-        <p14:creationId xmlns:p14="http://schemas.microsoft.com/office/powerpoint/2010/main" val="3427387256"/>
+        <p14:creationId xmlns:p14="http://schemas.microsoft.com/office/powerpoint/2010/main" val="4009578926"/>
       </p:ext>
     </p:extLst>
   </p:cSld>
@@ -6208,7 +7057,7 @@
           <p:cNvPr id="2" name="Title 1">
             <a:extLst>
               <a:ext uri="{FF2B5EF4-FFF2-40B4-BE49-F238E27FC236}">
-                <a16:creationId xmlns:a16="http://schemas.microsoft.com/office/drawing/2014/main" id="{43E504AB-B8C8-2B7F-BCA0-D4E6D88EADB8}"/>
+                <a16:creationId xmlns:a16="http://schemas.microsoft.com/office/drawing/2014/main" id="{9FF354BE-2238-39F8-805E-C3A974043629}"/>
               </a:ext>
             </a:extLst>
           </p:cNvPr>
@@ -6219,94 +7068,29 @@
             <p:ph type="title"/>
           </p:nvPr>
         </p:nvSpPr>
-        <p:spPr/>
-        <p:txBody>
-          <a:bodyPr/>
-          <a:lstStyle/>
-          <a:p>
-            <a:r>
-              <a:rPr lang="en-US" dirty="0"/>
-              <a:t>Inverse Dispersion?</a:t>
-            </a:r>
-          </a:p>
-        </p:txBody>
-      </p:sp>
-      <p:pic>
-        <p:nvPicPr>
-          <p:cNvPr id="9" name="Content Placeholder 8" descr="Diagram&#10;&#10;Description automatically generated">
-            <a:extLst>
-              <a:ext uri="{FF2B5EF4-FFF2-40B4-BE49-F238E27FC236}">
-                <a16:creationId xmlns:a16="http://schemas.microsoft.com/office/drawing/2014/main" id="{63C6DE8D-9747-1845-7130-3D2FCFBD7397}"/>
-              </a:ext>
-            </a:extLst>
-          </p:cNvPr>
-          <p:cNvPicPr>
-            <a:picLocks noGrp="1" noChangeAspect="1"/>
-          </p:cNvPicPr>
-          <p:nvPr>
-            <p:ph sz="half" idx="1"/>
-          </p:nvPr>
-        </p:nvPicPr>
-        <p:blipFill>
-          <a:blip r:embed="rId2">
-            <a:extLst>
-              <a:ext uri="{28A0092B-C50C-407E-A947-70E740481C1C}">
-                <a14:useLocalDpi xmlns:a14="http://schemas.microsoft.com/office/drawing/2010/main" val="0"/>
-              </a:ext>
-            </a:extLst>
-          </a:blip>
-          <a:stretch>
-            <a:fillRect/>
-          </a:stretch>
-        </p:blipFill>
         <p:spPr>
           <a:xfrm>
-            <a:off x="1391055" y="1453862"/>
-            <a:ext cx="4075890" cy="5094864"/>
+            <a:off x="505838" y="365125"/>
+            <a:ext cx="5590162" cy="915035"/>
           </a:xfrm>
         </p:spPr>
-      </p:pic>
-      <p:pic>
-        <p:nvPicPr>
-          <p:cNvPr id="11" name="Content Placeholder 10" descr="Diagram&#10;&#10;Description automatically generated">
-            <a:extLst>
-              <a:ext uri="{FF2B5EF4-FFF2-40B4-BE49-F238E27FC236}">
-                <a16:creationId xmlns:a16="http://schemas.microsoft.com/office/drawing/2014/main" id="{3AD42B89-6417-ACC9-DA59-8B9F32A621E0}"/>
-              </a:ext>
-            </a:extLst>
-          </p:cNvPr>
-          <p:cNvPicPr>
-            <a:picLocks noGrp="1" noChangeAspect="1"/>
-          </p:cNvPicPr>
-          <p:nvPr>
-            <p:ph sz="half" idx="2"/>
-          </p:nvPr>
-        </p:nvPicPr>
-        <p:blipFill>
-          <a:blip r:embed="rId3">
-            <a:extLst>
-              <a:ext uri="{28A0092B-C50C-407E-A947-70E740481C1C}">
-                <a14:useLocalDpi xmlns:a14="http://schemas.microsoft.com/office/drawing/2010/main" val="0"/>
-              </a:ext>
-            </a:extLst>
-          </a:blip>
-          <a:stretch>
-            <a:fillRect/>
-          </a:stretch>
-        </p:blipFill>
-        <p:spPr>
-          <a:xfrm>
-            <a:off x="6725055" y="1453862"/>
-            <a:ext cx="4075890" cy="5094864"/>
-          </a:xfrm>
-        </p:spPr>
-      </p:pic>
+        <p:txBody>
+          <a:bodyPr/>
+          <a:lstStyle/>
+          <a:p>
+            <a:r>
+              <a:rPr lang="en-US" dirty="0"/>
+              <a:t>Duration Distributions</a:t>
+            </a:r>
+          </a:p>
+        </p:txBody>
+      </p:sp>
       <p:sp>
         <p:nvSpPr>
           <p:cNvPr id="4" name="Date Placeholder 3">
             <a:extLst>
               <a:ext uri="{FF2B5EF4-FFF2-40B4-BE49-F238E27FC236}">
-                <a16:creationId xmlns:a16="http://schemas.microsoft.com/office/drawing/2014/main" id="{DFCAA49B-B086-E88F-CF92-A581491D7402}"/>
+                <a16:creationId xmlns:a16="http://schemas.microsoft.com/office/drawing/2014/main" id="{90302BC9-54FA-E889-D491-38AA529EDE96}"/>
               </a:ext>
             </a:extLst>
           </p:cNvPr>
@@ -6335,7 +7119,7 @@
           <p:cNvPr id="5" name="Slide Number Placeholder 4">
             <a:extLst>
               <a:ext uri="{FF2B5EF4-FFF2-40B4-BE49-F238E27FC236}">
-                <a16:creationId xmlns:a16="http://schemas.microsoft.com/office/drawing/2014/main" id="{9C49DA60-C7A7-3C94-E2D5-1A155CF5B9F6}"/>
+                <a16:creationId xmlns:a16="http://schemas.microsoft.com/office/drawing/2014/main" id="{3A0C4010-33C8-6492-6CF0-014BC4C3806F}"/>
               </a:ext>
             </a:extLst>
           </p:cNvPr>
@@ -6359,10 +7143,223 @@
           </a:p>
         </p:txBody>
       </p:sp>
+      <p:pic>
+        <p:nvPicPr>
+          <p:cNvPr id="11" name="Content Placeholder 10">
+            <a:extLst>
+              <a:ext uri="{FF2B5EF4-FFF2-40B4-BE49-F238E27FC236}">
+                <a16:creationId xmlns:a16="http://schemas.microsoft.com/office/drawing/2014/main" id="{2E8A1B65-4A77-DD84-5668-E9AA4171DB77}"/>
+              </a:ext>
+            </a:extLst>
+          </p:cNvPr>
+          <p:cNvPicPr>
+            <a:picLocks noGrp="1" noChangeAspect="1"/>
+          </p:cNvPicPr>
+          <p:nvPr>
+            <p:ph idx="1"/>
+          </p:nvPr>
+        </p:nvPicPr>
+        <p:blipFill>
+          <a:blip r:embed="rId2">
+            <a:extLst>
+              <a:ext uri="{28A0092B-C50C-407E-A947-70E740481C1C}">
+                <a14:useLocalDpi xmlns:a14="http://schemas.microsoft.com/office/drawing/2010/main" val="0"/>
+              </a:ext>
+            </a:extLst>
+          </a:blip>
+          <a:srcRect/>
+          <a:stretch/>
+        </p:blipFill>
+        <p:spPr>
+          <a:xfrm>
+            <a:off x="6558119" y="86566"/>
+            <a:ext cx="4442481" cy="6515640"/>
+          </a:xfrm>
+        </p:spPr>
+      </p:pic>
+      <p:sp>
+        <p:nvSpPr>
+          <p:cNvPr id="12" name="TextBox 11">
+            <a:extLst>
+              <a:ext uri="{FF2B5EF4-FFF2-40B4-BE49-F238E27FC236}">
+                <a16:creationId xmlns:a16="http://schemas.microsoft.com/office/drawing/2014/main" id="{06A4B53F-5ED1-6D37-1882-9DF74C978B5A}"/>
+              </a:ext>
+            </a:extLst>
+          </p:cNvPr>
+          <p:cNvSpPr txBox="1"/>
+          <p:nvPr/>
+        </p:nvSpPr>
+        <p:spPr>
+          <a:xfrm>
+            <a:off x="351887" y="1052710"/>
+            <a:ext cx="5590162" cy="5632311"/>
+          </a:xfrm>
+          <a:prstGeom prst="rect">
+            <a:avLst/>
+          </a:prstGeom>
+          <a:noFill/>
+        </p:spPr>
+        <p:txBody>
+          <a:bodyPr wrap="square" rtlCol="0">
+            <a:spAutoFit/>
+          </a:bodyPr>
+          <a:lstStyle/>
+          <a:p>
+            <a:pPr marL="285750" indent="-285750">
+              <a:buFont typeface="Arial" panose="020B0604020202020204" pitchFamily="34" charset="0"/>
+              <a:buChar char="•"/>
+            </a:pPr>
+            <a:r>
+              <a:rPr lang="en-US" sz="2000" dirty="0"/>
+              <a:t>Microburst fits were filtered</a:t>
+            </a:r>
+          </a:p>
+          <a:p>
+            <a:pPr marL="742950" lvl="1" indent="-285750">
+              <a:buFont typeface="Arial" panose="020B0604020202020204" pitchFamily="34" charset="0"/>
+              <a:buChar char="•"/>
+            </a:pPr>
+            <a:r>
+              <a:rPr lang="en-US" sz="2000" dirty="0"/>
+              <a:t>Each microburst max(R^2) &gt; 0.9 in all energy channels</a:t>
+            </a:r>
+          </a:p>
+          <a:p>
+            <a:pPr marL="285750" indent="-285750">
+              <a:buFont typeface="Arial" panose="020B0604020202020204" pitchFamily="34" charset="0"/>
+              <a:buChar char="•"/>
+            </a:pPr>
+            <a:r>
+              <a:rPr lang="en-US" sz="2000" dirty="0"/>
+              <a:t>Distributions in channels 0-2 look believable</a:t>
+            </a:r>
+          </a:p>
+          <a:p>
+            <a:pPr marL="742950" lvl="1" indent="-285750">
+              <a:buFont typeface="Arial" panose="020B0604020202020204" pitchFamily="34" charset="0"/>
+              <a:buChar char="•"/>
+            </a:pPr>
+            <a:r>
+              <a:rPr lang="en-US" sz="2000" dirty="0"/>
+              <a:t>Durations slightly decrease in energy and are already narrower than SAMPEX.</a:t>
+            </a:r>
+          </a:p>
+          <a:p>
+            <a:pPr marL="742950" lvl="1" indent="-285750">
+              <a:buFont typeface="Arial" panose="020B0604020202020204" pitchFamily="34" charset="0"/>
+              <a:buChar char="•"/>
+            </a:pPr>
+            <a:r>
+              <a:rPr lang="en-US" sz="2000" dirty="0"/>
+              <a:t>Perhaps this can be attributed to the drastically different geometric factors of FIREBIRD-II and SAMPEX?</a:t>
+            </a:r>
+          </a:p>
+          <a:p>
+            <a:pPr marL="285750" indent="-285750">
+              <a:buFont typeface="Arial" panose="020B0604020202020204" pitchFamily="34" charset="0"/>
+              <a:buChar char="•"/>
+            </a:pPr>
+            <a:r>
+              <a:rPr lang="en-US" sz="2000" dirty="0"/>
+              <a:t>Channels 3-5 don’t look as nice.</a:t>
+            </a:r>
+          </a:p>
+          <a:p>
+            <a:pPr marL="285750" indent="-285750">
+              <a:buFont typeface="Arial" panose="020B0604020202020204" pitchFamily="34" charset="0"/>
+              <a:buChar char="•"/>
+            </a:pPr>
+            <a:r>
+              <a:rPr lang="en-US" sz="2000" dirty="0"/>
+              <a:t>A suspicious peak around 120 </a:t>
+            </a:r>
+            <a:r>
+              <a:rPr lang="en-US" sz="2000" dirty="0" err="1"/>
+              <a:t>ms.</a:t>
+            </a:r>
+            <a:r>
+              <a:rPr lang="en-US" sz="2000" dirty="0"/>
+              <a:t> Most evident in 4</a:t>
+            </a:r>
+            <a:r>
+              <a:rPr lang="en-US" sz="2000" baseline="30000" dirty="0"/>
+              <a:t>th</a:t>
+            </a:r>
+            <a:r>
+              <a:rPr lang="en-US" sz="2000" dirty="0"/>
+              <a:t> and 5</a:t>
+            </a:r>
+            <a:r>
+              <a:rPr lang="en-US" sz="2000" baseline="30000" dirty="0"/>
+              <a:t>th</a:t>
+            </a:r>
+            <a:r>
+              <a:rPr lang="en-US" sz="2000" dirty="0"/>
+              <a:t> energy channel.</a:t>
+            </a:r>
+          </a:p>
+          <a:p>
+            <a:pPr marL="285750" indent="-285750">
+              <a:buFont typeface="Arial" panose="020B0604020202020204" pitchFamily="34" charset="0"/>
+              <a:buChar char="•"/>
+            </a:pPr>
+            <a:r>
+              <a:rPr lang="en-US" sz="2000" dirty="0">
+                <a:solidFill>
+                  <a:schemeClr val="accent2"/>
+                </a:solidFill>
+              </a:rPr>
+              <a:t>Possible fit filtering modifications</a:t>
+            </a:r>
+          </a:p>
+          <a:p>
+            <a:pPr marL="742950" lvl="1" indent="-285750">
+              <a:buFont typeface="Arial" panose="020B0604020202020204" pitchFamily="34" charset="0"/>
+              <a:buChar char="•"/>
+            </a:pPr>
+            <a:r>
+              <a:rPr lang="en-US" sz="2000" dirty="0">
+                <a:solidFill>
+                  <a:schemeClr val="accent2"/>
+                </a:solidFill>
+              </a:rPr>
+              <a:t>Ensure that the 6 channel FWHMs are within X% of the mean FWHM</a:t>
+            </a:r>
+          </a:p>
+          <a:p>
+            <a:pPr marL="742950" lvl="1" indent="-285750">
+              <a:buFont typeface="Arial" panose="020B0604020202020204" pitchFamily="34" charset="0"/>
+              <a:buChar char="•"/>
+            </a:pPr>
+            <a:r>
+              <a:rPr lang="en-US" sz="2000" dirty="0">
+                <a:solidFill>
+                  <a:schemeClr val="accent2"/>
+                </a:solidFill>
+              </a:rPr>
+              <a:t>Check that the amplitudes are all positive</a:t>
+            </a:r>
+          </a:p>
+          <a:p>
+            <a:pPr marL="742950" lvl="1" indent="-285750">
+              <a:buFont typeface="Arial" panose="020B0604020202020204" pitchFamily="34" charset="0"/>
+              <a:buChar char="•"/>
+            </a:pPr>
+            <a:r>
+              <a:rPr lang="en-US" sz="2000" dirty="0">
+                <a:solidFill>
+                  <a:schemeClr val="accent2"/>
+                </a:solidFill>
+              </a:rPr>
+              <a:t>Use a 0s filter to remove dead time saturation</a:t>
+            </a:r>
+          </a:p>
+        </p:txBody>
+      </p:sp>
     </p:spTree>
     <p:extLst>
       <p:ext uri="{BB962C8B-B14F-4D97-AF65-F5344CB8AC3E}">
-        <p14:creationId xmlns:p14="http://schemas.microsoft.com/office/powerpoint/2010/main" val="3880597601"/>
+        <p14:creationId xmlns:p14="http://schemas.microsoft.com/office/powerpoint/2010/main" val="3427387256"/>
       </p:ext>
     </p:extLst>
   </p:cSld>
